--- a/data8/slides/lab3.pptx
+++ b/data8/slides/lab3.pptx
@@ -9,23 +9,25 @@
     <p:sldMasterId id="2147483699" r:id="rId5"/>
   </p:sldMasterIdLst>
   <p:notesMasterIdLst>
-    <p:notesMasterId r:id="rId17"/>
+    <p:notesMasterId r:id="rId19"/>
   </p:notesMasterIdLst>
   <p:handoutMasterIdLst>
-    <p:handoutMasterId r:id="rId18"/>
+    <p:handoutMasterId r:id="rId20"/>
   </p:handoutMasterIdLst>
   <p:sldIdLst>
     <p:sldId id="256" r:id="rId6"/>
-    <p:sldId id="279" r:id="rId7"/>
-    <p:sldId id="277" r:id="rId8"/>
-    <p:sldId id="282" r:id="rId9"/>
-    <p:sldId id="280" r:id="rId10"/>
-    <p:sldId id="283" r:id="rId11"/>
-    <p:sldId id="281" r:id="rId12"/>
-    <p:sldId id="285" r:id="rId13"/>
-    <p:sldId id="286" r:id="rId14"/>
-    <p:sldId id="267" r:id="rId15"/>
-    <p:sldId id="266" r:id="rId16"/>
+    <p:sldId id="271" r:id="rId7"/>
+    <p:sldId id="267" r:id="rId8"/>
+    <p:sldId id="269" r:id="rId9"/>
+    <p:sldId id="270" r:id="rId10"/>
+    <p:sldId id="272" r:id="rId11"/>
+    <p:sldId id="273" r:id="rId12"/>
+    <p:sldId id="274" r:id="rId13"/>
+    <p:sldId id="275" r:id="rId14"/>
+    <p:sldId id="277" r:id="rId15"/>
+    <p:sldId id="276" r:id="rId16"/>
+    <p:sldId id="268" r:id="rId17"/>
+    <p:sldId id="266" r:id="rId18"/>
   </p:sldIdLst>
   <p:sldSz cx="9144000" cy="6858000" type="screen4x3"/>
   <p:notesSz cx="6858000" cy="9144000"/>
@@ -209,7 +211,7 @@
           <a:p>
             <a:fld id="{97CB1905-1EEB-6545-B5E2-B70E8868255E}" type="datetimeFigureOut">
               <a:rPr lang="en-US" smtClean="0"/>
-              <a:t>8/3/2019</a:t>
+              <a:t>9/2/2019</a:t>
             </a:fld>
             <a:endParaRPr lang="en-US"/>
           </a:p>
@@ -375,7 +377,7 @@
           <a:p>
             <a:fld id="{5F53F6BF-7462-9046-A2B6-90C29244BD27}" type="datetimeFigureOut">
               <a:rPr lang="en-US" smtClean="0"/>
-              <a:t>8/3/2019</a:t>
+              <a:t>9/2/2019</a:t>
             </a:fld>
             <a:endParaRPr lang="en-US"/>
           </a:p>
@@ -7682,13 +7684,40 @@
         </p:nvSpPr>
         <p:spPr>
           <a:xfrm>
-            <a:off x="685800" y="2262431"/>
-            <a:ext cx="6400800" cy="1113590"/>
+            <a:off x="685800" y="2262430"/>
+            <a:ext cx="6400800" cy="2195269"/>
           </a:xfrm>
         </p:spPr>
         <p:txBody>
-          <a:bodyPr/>
+          <a:bodyPr>
+            <a:normAutofit fontScale="92500" lnSpcReduction="10000"/>
+          </a:bodyPr>
           <a:lstStyle/>
+          <a:p>
+            <a:r>
+              <a:rPr lang="en-US" b="1" dirty="0" smtClean="0">
+                <a:latin typeface="Avenir LT Std 45 Book" pitchFamily="34" charset="0"/>
+              </a:rPr>
+              <a:t>Data Types, Sequences, </a:t>
+            </a:r>
+            <a:r>
+              <a:rPr lang="en-US" b="1" dirty="0">
+                <a:latin typeface="Avenir LT Std 45 Book" pitchFamily="34" charset="0"/>
+              </a:rPr>
+              <a:t>and </a:t>
+            </a:r>
+            <a:r>
+              <a:rPr lang="en-US" b="1" dirty="0" smtClean="0">
+                <a:latin typeface="Avenir LT Std 45 Book" pitchFamily="34" charset="0"/>
+              </a:rPr>
+              <a:t>Tables</a:t>
+            </a:r>
+          </a:p>
+          <a:p>
+            <a:endParaRPr lang="en-US" b="1" dirty="0">
+              <a:latin typeface="Avenir LT Std 45 Book" pitchFamily="34" charset="0"/>
+            </a:endParaRPr>
+          </a:p>
           <a:p>
             <a:r>
               <a:rPr lang="en-US" b="1" dirty="0" smtClean="0">
@@ -7703,6 +7732,19 @@
                 <a:latin typeface="Avenir LT Std 45 Book" pitchFamily="34" charset="0"/>
               </a:rPr>
               <a:t>Fall 2019</a:t>
+            </a:r>
+          </a:p>
+          <a:p>
+            <a:endParaRPr lang="en-US" dirty="0">
+              <a:latin typeface="Avenir LT Std 45 Book" pitchFamily="34" charset="0"/>
+            </a:endParaRPr>
+          </a:p>
+          <a:p>
+            <a:r>
+              <a:rPr lang="en-US" dirty="0" smtClean="0">
+                <a:latin typeface="Avenir LT Std 45 Book" pitchFamily="34" charset="0"/>
+              </a:rPr>
+              <a:t>13 September 2019</a:t>
             </a:r>
             <a:endParaRPr lang="en-US" dirty="0">
               <a:latin typeface="Avenir LT Std 45 Book" pitchFamily="34" charset="0"/>
@@ -7764,14 +7806,16 @@
           </a:xfrm>
         </p:spPr>
         <p:txBody>
-          <a:bodyPr/>
+          <a:bodyPr>
+            <a:normAutofit/>
+          </a:bodyPr>
           <a:lstStyle/>
           <a:p>
             <a:r>
               <a:rPr lang="en-CA" dirty="0" smtClean="0">
                 <a:latin typeface="+mn-lt"/>
               </a:rPr>
-              <a:t>Announcements</a:t>
+              <a:t>Some Table Operations</a:t>
             </a:r>
             <a:endParaRPr lang="en-CA" dirty="0">
               <a:latin typeface="+mn-lt"/>
@@ -7779,36 +7823,540 @@
           </a:p>
         </p:txBody>
       </p:sp>
-      <p:sp>
-        <p:nvSpPr>
-          <p:cNvPr id="3" name="Content Placeholder 2"/>
-          <p:cNvSpPr>
-            <a:spLocks noGrp="1"/>
-          </p:cNvSpPr>
+      <p:graphicFrame>
+        <p:nvGraphicFramePr>
+          <p:cNvPr id="5" name="Content Placeholder 4"/>
+          <p:cNvGraphicFramePr>
+            <a:graphicFrameLocks noGrp="1"/>
+          </p:cNvGraphicFramePr>
           <p:nvPr>
             <p:ph idx="1"/>
+            <p:extLst>
+              <p:ext uri="{D42A27DB-BD31-4B8C-83A1-F6EECF244321}">
+                <p14:modId xmlns:p14="http://schemas.microsoft.com/office/powerpoint/2010/main" val="1930682488"/>
+              </p:ext>
+            </p:extLst>
           </p:nvPr>
-        </p:nvSpPr>
-        <p:spPr>
-          <a:xfrm>
-            <a:off x="457200" y="1756947"/>
-            <a:ext cx="8286750" cy="3596103"/>
-          </a:xfrm>
-        </p:spPr>
-        <p:txBody>
-          <a:bodyPr/>
-          <a:lstStyle/>
-          <a:p>
-            <a:endParaRPr lang="en-CA" dirty="0">
-              <a:latin typeface="+mn-lt"/>
-            </a:endParaRPr>
-          </a:p>
-        </p:txBody>
-      </p:sp>
+        </p:nvGraphicFramePr>
+        <p:xfrm>
+          <a:off x="539750" y="1419310"/>
+          <a:ext cx="7947025" cy="4234580"/>
+        </p:xfrm>
+        <a:graphic>
+          <a:graphicData uri="http://schemas.openxmlformats.org/drawingml/2006/table">
+            <a:tbl>
+              <a:tblPr firstRow="1" bandRow="1">
+                <a:tableStyleId>{5C22544A-7EE6-4342-B048-85BDC9FD1C3A}</a:tableStyleId>
+              </a:tblPr>
+              <a:tblGrid>
+                <a:gridCol w="1689100"/>
+                <a:gridCol w="4276725"/>
+                <a:gridCol w="1981200"/>
+              </a:tblGrid>
+              <a:tr h="479525">
+                <a:tc>
+                  <a:txBody>
+                    <a:bodyPr/>
+                    <a:lstStyle/>
+                    <a:p>
+                      <a:pPr algn="ctr" fontAlgn="ctr"/>
+                      <a:r>
+                        <a:rPr lang="en-CA" sz="1600" b="1" dirty="0">
+                          <a:effectLst/>
+                        </a:rPr>
+                        <a:t>Name</a:t>
+                      </a:r>
+                    </a:p>
+                  </a:txBody>
+                  <a:tcPr anchor="ctr"/>
+                </a:tc>
+                <a:tc>
+                  <a:txBody>
+                    <a:bodyPr/>
+                    <a:lstStyle/>
+                    <a:p>
+                      <a:pPr algn="ctr" fontAlgn="ctr"/>
+                      <a:r>
+                        <a:rPr lang="en-CA" sz="1600" b="1" dirty="0">
+                          <a:effectLst/>
+                        </a:rPr>
+                        <a:t>Purpose</a:t>
+                      </a:r>
+                    </a:p>
+                  </a:txBody>
+                  <a:tcPr anchor="ctr"/>
+                </a:tc>
+                <a:tc>
+                  <a:txBody>
+                    <a:bodyPr/>
+                    <a:lstStyle/>
+                    <a:p>
+                      <a:pPr algn="ctr" fontAlgn="ctr"/>
+                      <a:r>
+                        <a:rPr lang="en-CA" sz="1600" b="1" dirty="0">
+                          <a:effectLst/>
+                        </a:rPr>
+                        <a:t>Example</a:t>
+                      </a:r>
+                    </a:p>
+                  </a:txBody>
+                  <a:tcPr anchor="ctr"/>
+                </a:tc>
+              </a:tr>
+              <a:tr h="530104">
+                <a:tc>
+                  <a:txBody>
+                    <a:bodyPr/>
+                    <a:lstStyle/>
+                    <a:p>
+                      <a:pPr algn="ctr" fontAlgn="ctr"/>
+                      <a:r>
+                        <a:rPr lang="en-CA" sz="1600">
+                          <a:effectLst/>
+                        </a:rPr>
+                        <a:t>sort</a:t>
+                      </a:r>
+                    </a:p>
+                  </a:txBody>
+                  <a:tcPr anchor="ctr"/>
+                </a:tc>
+                <a:tc>
+                  <a:txBody>
+                    <a:bodyPr/>
+                    <a:lstStyle/>
+                    <a:p>
+                      <a:pPr algn="ctr" fontAlgn="ctr"/>
+                      <a:r>
+                        <a:rPr lang="en-CA" sz="1600" dirty="0">
+                          <a:effectLst/>
+                        </a:rPr>
+                        <a:t>Create a copy of a table sorted by the values in a column</a:t>
+                      </a:r>
+                    </a:p>
+                  </a:txBody>
+                  <a:tcPr anchor="ctr"/>
+                </a:tc>
+                <a:tc>
+                  <a:txBody>
+                    <a:bodyPr/>
+                    <a:lstStyle/>
+                    <a:p>
+                      <a:pPr algn="ctr" fontAlgn="ctr"/>
+                      <a:r>
+                        <a:rPr lang="en-CA" sz="1600" dirty="0" err="1">
+                          <a:effectLst/>
+                        </a:rPr>
+                        <a:t>tbl.sort</a:t>
+                      </a:r>
+                      <a:r>
+                        <a:rPr lang="en-CA" sz="1600" dirty="0">
+                          <a:effectLst/>
+                        </a:rPr>
+                        <a:t>("N")</a:t>
+                      </a:r>
+                    </a:p>
+                  </a:txBody>
+                  <a:tcPr anchor="ctr"/>
+                </a:tc>
+              </a:tr>
+              <a:tr h="530104">
+                <a:tc>
+                  <a:txBody>
+                    <a:bodyPr/>
+                    <a:lstStyle/>
+                    <a:p>
+                      <a:pPr algn="ctr" fontAlgn="ctr"/>
+                      <a:r>
+                        <a:rPr lang="en-CA" sz="1600" dirty="0">
+                          <a:effectLst/>
+                        </a:rPr>
+                        <a:t>where</a:t>
+                      </a:r>
+                    </a:p>
+                  </a:txBody>
+                  <a:tcPr anchor="ctr"/>
+                </a:tc>
+                <a:tc>
+                  <a:txBody>
+                    <a:bodyPr/>
+                    <a:lstStyle/>
+                    <a:p>
+                      <a:pPr algn="ctr" fontAlgn="ctr"/>
+                      <a:r>
+                        <a:rPr lang="en-CA" sz="1600" dirty="0">
+                          <a:effectLst/>
+                        </a:rPr>
+                        <a:t>Create a copy of a table with only the rows that match some </a:t>
+                      </a:r>
+                      <a:r>
+                        <a:rPr lang="en-CA" sz="1600" i="1" dirty="0">
+                          <a:effectLst/>
+                        </a:rPr>
+                        <a:t>predicate</a:t>
+                      </a:r>
+                      <a:endParaRPr lang="en-CA" sz="1600" dirty="0">
+                        <a:effectLst/>
+                      </a:endParaRPr>
+                    </a:p>
+                  </a:txBody>
+                  <a:tcPr anchor="ctr"/>
+                </a:tc>
+                <a:tc>
+                  <a:txBody>
+                    <a:bodyPr/>
+                    <a:lstStyle/>
+                    <a:p>
+                      <a:pPr algn="ctr" fontAlgn="ctr"/>
+                      <a:r>
+                        <a:rPr lang="en-CA" sz="1600" dirty="0" err="1">
+                          <a:effectLst/>
+                        </a:rPr>
+                        <a:t>tbl.where</a:t>
+                      </a:r>
+                      <a:r>
+                        <a:rPr lang="en-CA" sz="1600" dirty="0">
+                          <a:effectLst/>
+                        </a:rPr>
+                        <a:t>("N", </a:t>
+                      </a:r>
+                      <a:r>
+                        <a:rPr lang="en-CA" sz="1600" dirty="0" err="1">
+                          <a:effectLst/>
+                        </a:rPr>
+                        <a:t>are.above</a:t>
+                      </a:r>
+                      <a:r>
+                        <a:rPr lang="en-CA" sz="1600" dirty="0">
+                          <a:effectLst/>
+                        </a:rPr>
+                        <a:t>(2))</a:t>
+                      </a:r>
+                    </a:p>
+                  </a:txBody>
+                  <a:tcPr anchor="ctr"/>
+                </a:tc>
+              </a:tr>
+              <a:tr h="479525">
+                <a:tc>
+                  <a:txBody>
+                    <a:bodyPr/>
+                    <a:lstStyle/>
+                    <a:p>
+                      <a:pPr algn="ctr" fontAlgn="ctr"/>
+                      <a:r>
+                        <a:rPr lang="en-CA" sz="1600">
+                          <a:effectLst/>
+                        </a:rPr>
+                        <a:t>num_rows</a:t>
+                      </a:r>
+                    </a:p>
+                  </a:txBody>
+                  <a:tcPr anchor="ctr"/>
+                </a:tc>
+                <a:tc>
+                  <a:txBody>
+                    <a:bodyPr/>
+                    <a:lstStyle/>
+                    <a:p>
+                      <a:pPr algn="ctr" fontAlgn="ctr"/>
+                      <a:r>
+                        <a:rPr lang="en-CA" sz="1600" dirty="0">
+                          <a:effectLst/>
+                        </a:rPr>
+                        <a:t>Compute the number of rows in a table</a:t>
+                      </a:r>
+                    </a:p>
+                  </a:txBody>
+                  <a:tcPr anchor="ctr"/>
+                </a:tc>
+                <a:tc>
+                  <a:txBody>
+                    <a:bodyPr/>
+                    <a:lstStyle/>
+                    <a:p>
+                      <a:pPr algn="ctr" fontAlgn="ctr"/>
+                      <a:r>
+                        <a:rPr lang="en-CA" sz="1600">
+                          <a:effectLst/>
+                        </a:rPr>
+                        <a:t>tbl.num_rows</a:t>
+                      </a:r>
+                    </a:p>
+                  </a:txBody>
+                  <a:tcPr anchor="ctr"/>
+                </a:tc>
+              </a:tr>
+              <a:tr h="479525">
+                <a:tc>
+                  <a:txBody>
+                    <a:bodyPr/>
+                    <a:lstStyle/>
+                    <a:p>
+                      <a:pPr algn="ctr" fontAlgn="ctr"/>
+                      <a:r>
+                        <a:rPr lang="en-CA" sz="1600">
+                          <a:effectLst/>
+                        </a:rPr>
+                        <a:t>num_columns</a:t>
+                      </a:r>
+                    </a:p>
+                  </a:txBody>
+                  <a:tcPr anchor="ctr"/>
+                </a:tc>
+                <a:tc>
+                  <a:txBody>
+                    <a:bodyPr/>
+                    <a:lstStyle/>
+                    <a:p>
+                      <a:pPr algn="ctr" fontAlgn="ctr"/>
+                      <a:r>
+                        <a:rPr lang="en-CA" sz="1600" dirty="0">
+                          <a:effectLst/>
+                        </a:rPr>
+                        <a:t>Compute the number of columns in a table</a:t>
+                      </a:r>
+                    </a:p>
+                  </a:txBody>
+                  <a:tcPr anchor="ctr"/>
+                </a:tc>
+                <a:tc>
+                  <a:txBody>
+                    <a:bodyPr/>
+                    <a:lstStyle/>
+                    <a:p>
+                      <a:pPr algn="ctr" fontAlgn="ctr"/>
+                      <a:r>
+                        <a:rPr lang="en-CA" sz="1600">
+                          <a:effectLst/>
+                        </a:rPr>
+                        <a:t>tbl.num_columns</a:t>
+                      </a:r>
+                    </a:p>
+                  </a:txBody>
+                  <a:tcPr anchor="ctr"/>
+                </a:tc>
+              </a:tr>
+              <a:tr h="530104">
+                <a:tc>
+                  <a:txBody>
+                    <a:bodyPr/>
+                    <a:lstStyle/>
+                    <a:p>
+                      <a:pPr algn="ctr" fontAlgn="ctr"/>
+                      <a:r>
+                        <a:rPr lang="en-CA" sz="1600">
+                          <a:effectLst/>
+                        </a:rPr>
+                        <a:t>select</a:t>
+                      </a:r>
+                    </a:p>
+                  </a:txBody>
+                  <a:tcPr anchor="ctr"/>
+                </a:tc>
+                <a:tc>
+                  <a:txBody>
+                    <a:bodyPr/>
+                    <a:lstStyle/>
+                    <a:p>
+                      <a:pPr algn="ctr" fontAlgn="ctr"/>
+                      <a:r>
+                        <a:rPr lang="en-CA" sz="1600" dirty="0">
+                          <a:effectLst/>
+                        </a:rPr>
+                        <a:t>Create a copy of a table with only some of the columns</a:t>
+                      </a:r>
+                    </a:p>
+                  </a:txBody>
+                  <a:tcPr anchor="ctr"/>
+                </a:tc>
+                <a:tc>
+                  <a:txBody>
+                    <a:bodyPr/>
+                    <a:lstStyle/>
+                    <a:p>
+                      <a:pPr algn="ctr" fontAlgn="ctr"/>
+                      <a:r>
+                        <a:rPr lang="en-CA" sz="1600">
+                          <a:effectLst/>
+                        </a:rPr>
+                        <a:t>tbl.select("N")</a:t>
+                      </a:r>
+                    </a:p>
+                  </a:txBody>
+                  <a:tcPr anchor="ctr"/>
+                </a:tc>
+              </a:tr>
+              <a:tr h="530104">
+                <a:tc>
+                  <a:txBody>
+                    <a:bodyPr/>
+                    <a:lstStyle/>
+                    <a:p>
+                      <a:pPr algn="ctr" fontAlgn="ctr"/>
+                      <a:r>
+                        <a:rPr lang="en-CA" sz="1600">
+                          <a:effectLst/>
+                        </a:rPr>
+                        <a:t>drop</a:t>
+                      </a:r>
+                    </a:p>
+                  </a:txBody>
+                  <a:tcPr anchor="ctr"/>
+                </a:tc>
+                <a:tc>
+                  <a:txBody>
+                    <a:bodyPr/>
+                    <a:lstStyle/>
+                    <a:p>
+                      <a:pPr algn="ctr" fontAlgn="ctr"/>
+                      <a:r>
+                        <a:rPr lang="en-CA" sz="1600" dirty="0">
+                          <a:effectLst/>
+                        </a:rPr>
+                        <a:t>Create a copy of a table without some of the columns</a:t>
+                      </a:r>
+                    </a:p>
+                  </a:txBody>
+                  <a:tcPr anchor="ctr"/>
+                </a:tc>
+                <a:tc>
+                  <a:txBody>
+                    <a:bodyPr/>
+                    <a:lstStyle/>
+                    <a:p>
+                      <a:pPr algn="ctr" fontAlgn="ctr"/>
+                      <a:r>
+                        <a:rPr lang="en-CA" sz="1600" dirty="0" err="1">
+                          <a:effectLst/>
+                        </a:rPr>
+                        <a:t>tbl.drop</a:t>
+                      </a:r>
+                      <a:r>
+                        <a:rPr lang="en-CA" sz="1600" dirty="0" smtClean="0">
+                          <a:effectLst/>
+                        </a:rPr>
+                        <a:t>("N</a:t>
+                      </a:r>
+                      <a:r>
+                        <a:rPr lang="en-CA" sz="1600" dirty="0">
+                          <a:effectLst/>
+                        </a:rPr>
+                        <a:t>")</a:t>
+                      </a:r>
+                    </a:p>
+                  </a:txBody>
+                  <a:tcPr anchor="ctr"/>
+                </a:tc>
+              </a:tr>
+              <a:tr h="479525">
+                <a:tc>
+                  <a:txBody>
+                    <a:bodyPr/>
+                    <a:lstStyle/>
+                    <a:p>
+                      <a:pPr algn="ctr" fontAlgn="ctr"/>
+                      <a:r>
+                        <a:rPr lang="en-CA" sz="1600" dirty="0" smtClean="0">
+                          <a:effectLst/>
+                        </a:rPr>
+                        <a:t>take</a:t>
+                      </a:r>
+                      <a:endParaRPr lang="en-CA" sz="1600" dirty="0">
+                        <a:effectLst/>
+                      </a:endParaRPr>
+                    </a:p>
+                  </a:txBody>
+                  <a:tcPr anchor="ctr"/>
+                </a:tc>
+                <a:tc>
+                  <a:txBody>
+                    <a:bodyPr/>
+                    <a:lstStyle/>
+                    <a:p>
+                      <a:pPr algn="ctr" fontAlgn="ctr"/>
+                      <a:r>
+                        <a:rPr lang="en-CA" sz="1600" dirty="0" smtClean="0">
+                          <a:effectLst/>
+                        </a:rPr>
+                        <a:t>Keeps the</a:t>
+                      </a:r>
+                      <a:r>
+                        <a:rPr lang="en-CA" sz="1600" baseline="0" dirty="0" smtClean="0">
+                          <a:effectLst/>
+                        </a:rPr>
+                        <a:t> </a:t>
+                      </a:r>
+                      <a:r>
+                        <a:rPr lang="en-CA" sz="1600" baseline="0" dirty="0" err="1" smtClean="0">
+                          <a:effectLst/>
+                        </a:rPr>
+                        <a:t>ith</a:t>
+                      </a:r>
+                      <a:r>
+                        <a:rPr lang="en-CA" sz="1600" dirty="0" smtClean="0">
+                          <a:effectLst/>
+                        </a:rPr>
+                        <a:t> row</a:t>
+                      </a:r>
+                      <a:r>
+                        <a:rPr lang="en-CA" sz="1600" baseline="0" dirty="0" smtClean="0">
+                          <a:effectLst/>
+                        </a:rPr>
+                        <a:t> of a table</a:t>
+                      </a:r>
+                      <a:endParaRPr lang="en-CA" sz="1600" dirty="0">
+                        <a:effectLst/>
+                      </a:endParaRPr>
+                    </a:p>
+                  </a:txBody>
+                  <a:tcPr anchor="ctr"/>
+                </a:tc>
+                <a:tc>
+                  <a:txBody>
+                    <a:bodyPr/>
+                    <a:lstStyle/>
+                    <a:p>
+                      <a:pPr algn="ctr" fontAlgn="ctr"/>
+                      <a:r>
+                        <a:rPr lang="en-CA" sz="1600" dirty="0" err="1" smtClean="0">
+                          <a:effectLst/>
+                        </a:rPr>
+                        <a:t>tbl.take</a:t>
+                      </a:r>
+                      <a:r>
+                        <a:rPr lang="en-CA" sz="1600" dirty="0" smtClean="0">
+                          <a:effectLst/>
+                        </a:rPr>
+                        <a:t>(</a:t>
+                      </a:r>
+                      <a:r>
+                        <a:rPr lang="en-CA" sz="1600" dirty="0" err="1" smtClean="0">
+                          <a:effectLst/>
+                        </a:rPr>
+                        <a:t>i</a:t>
+                      </a:r>
+                      <a:r>
+                        <a:rPr lang="en-CA" sz="1600" dirty="0" smtClean="0">
+                          <a:effectLst/>
+                        </a:rPr>
+                        <a:t>)</a:t>
+                      </a:r>
+                      <a:endParaRPr lang="en-CA" sz="1600" dirty="0">
+                        <a:effectLst/>
+                      </a:endParaRPr>
+                    </a:p>
+                  </a:txBody>
+                  <a:tcPr anchor="ctr"/>
+                </a:tc>
+              </a:tr>
+            </a:tbl>
+          </a:graphicData>
+        </a:graphic>
+      </p:graphicFrame>
     </p:spTree>
     <p:extLst>
       <p:ext uri="{BB962C8B-B14F-4D97-AF65-F5344CB8AC3E}">
-        <p14:creationId xmlns:p14="http://schemas.microsoft.com/office/powerpoint/2010/main" val="203414778"/>
+        <p14:creationId xmlns:p14="http://schemas.microsoft.com/office/powerpoint/2010/main" val="4256743660"/>
       </p:ext>
     </p:extLst>
   </p:cSld>
@@ -7826,6 +8374,234 @@
 </file>
 
 <file path=ppt/slides/slide11.xml><?xml version="1.0" encoding="utf-8"?>
+<p:sld xmlns:a="http://schemas.openxmlformats.org/drawingml/2006/main" xmlns:r="http://schemas.openxmlformats.org/officeDocument/2006/relationships" xmlns:p="http://schemas.openxmlformats.org/presentationml/2006/main">
+  <p:cSld>
+    <p:spTree>
+      <p:nvGrpSpPr>
+        <p:cNvPr id="1" name=""/>
+        <p:cNvGrpSpPr/>
+        <p:nvPr/>
+      </p:nvGrpSpPr>
+      <p:grpSpPr>
+        <a:xfrm>
+          <a:off x="0" y="0"/>
+          <a:ext cx="0" cy="0"/>
+          <a:chOff x="0" y="0"/>
+          <a:chExt cx="0" cy="0"/>
+        </a:xfrm>
+      </p:grpSpPr>
+      <p:sp>
+        <p:nvSpPr>
+          <p:cNvPr id="2" name="Title 1"/>
+          <p:cNvSpPr>
+            <a:spLocks noGrp="1"/>
+          </p:cNvSpPr>
+          <p:nvPr>
+            <p:ph type="title"/>
+          </p:nvPr>
+        </p:nvSpPr>
+        <p:spPr>
+          <a:xfrm>
+            <a:off x="457200" y="449932"/>
+            <a:ext cx="8286750" cy="1150353"/>
+          </a:xfrm>
+        </p:spPr>
+        <p:txBody>
+          <a:bodyPr>
+            <a:normAutofit/>
+          </a:bodyPr>
+          <a:lstStyle/>
+          <a:p>
+            <a:r>
+              <a:rPr lang="en-CA" dirty="0" smtClean="0">
+                <a:latin typeface="+mn-lt"/>
+              </a:rPr>
+              <a:t>Tables: Demo</a:t>
+            </a:r>
+            <a:endParaRPr lang="en-CA" dirty="0">
+              <a:latin typeface="+mn-lt"/>
+            </a:endParaRPr>
+          </a:p>
+        </p:txBody>
+      </p:sp>
+      <p:sp>
+        <p:nvSpPr>
+          <p:cNvPr id="4" name="AutoShape 2" descr="https://datahub.berkeley.edu/user/hubertluo/files/materials-sp19/materials/sp19/lab/lab02/statement.png"/>
+          <p:cNvSpPr>
+            <a:spLocks noChangeAspect="1" noChangeArrowheads="1"/>
+          </p:cNvSpPr>
+          <p:nvPr/>
+        </p:nvSpPr>
+        <p:spPr bwMode="auto">
+          <a:xfrm>
+            <a:off x="155575" y="-144463"/>
+            <a:ext cx="304800" cy="304801"/>
+          </a:xfrm>
+          <a:prstGeom prst="rect">
+            <a:avLst/>
+          </a:prstGeom>
+          <a:noFill/>
+          <a:extLst>
+            <a:ext uri="{909E8E84-426E-40DD-AFC4-6F175D3DCCD1}">
+              <a14:hiddenFill xmlns:a14="http://schemas.microsoft.com/office/drawing/2010/main">
+                <a:solidFill>
+                  <a:srgbClr val="FFFFFF"/>
+                </a:solidFill>
+              </a14:hiddenFill>
+            </a:ext>
+          </a:extLst>
+        </p:spPr>
+        <p:txBody>
+          <a:bodyPr vert="horz" wrap="square" lIns="91440" tIns="45720" rIns="91440" bIns="45720" numCol="1" anchor="t" anchorCtr="0" compatLnSpc="1">
+            <a:prstTxWarp prst="textNoShape">
+              <a:avLst/>
+            </a:prstTxWarp>
+          </a:bodyPr>
+          <a:lstStyle/>
+          <a:p>
+            <a:endParaRPr lang="en-CA"/>
+          </a:p>
+        </p:txBody>
+      </p:sp>
+      <p:sp>
+        <p:nvSpPr>
+          <p:cNvPr id="3" name="Content Placeholder 2"/>
+          <p:cNvSpPr>
+            <a:spLocks noGrp="1"/>
+          </p:cNvSpPr>
+          <p:nvPr>
+            <p:ph idx="1"/>
+          </p:nvPr>
+        </p:nvSpPr>
+        <p:spPr/>
+        <p:txBody>
+          <a:bodyPr/>
+          <a:lstStyle/>
+          <a:p>
+            <a:r>
+              <a:rPr lang="en-CA" dirty="0" smtClean="0"/>
+              <a:t>(Demo on Notebook)</a:t>
+            </a:r>
+            <a:endParaRPr lang="en-CA" dirty="0"/>
+          </a:p>
+        </p:txBody>
+      </p:sp>
+    </p:spTree>
+    <p:extLst>
+      <p:ext uri="{BB962C8B-B14F-4D97-AF65-F5344CB8AC3E}">
+        <p14:creationId xmlns:p14="http://schemas.microsoft.com/office/powerpoint/2010/main" val="1434710878"/>
+      </p:ext>
+    </p:extLst>
+  </p:cSld>
+  <p:clrMapOvr>
+    <a:masterClrMapping/>
+  </p:clrMapOvr>
+  <p:timing>
+    <p:tnLst>
+      <p:par>
+        <p:cTn id="1" dur="indefinite" restart="never" nodeType="tmRoot"/>
+      </p:par>
+    </p:tnLst>
+  </p:timing>
+</p:sld>
+</file>
+
+<file path=ppt/slides/slide12.xml><?xml version="1.0" encoding="utf-8"?>
+<p:sld xmlns:a="http://schemas.openxmlformats.org/drawingml/2006/main" xmlns:r="http://schemas.openxmlformats.org/officeDocument/2006/relationships" xmlns:p="http://schemas.openxmlformats.org/presentationml/2006/main">
+  <p:cSld>
+    <p:spTree>
+      <p:nvGrpSpPr>
+        <p:cNvPr id="1" name=""/>
+        <p:cNvGrpSpPr/>
+        <p:nvPr/>
+      </p:nvGrpSpPr>
+      <p:grpSpPr>
+        <a:xfrm>
+          <a:off x="0" y="0"/>
+          <a:ext cx="0" cy="0"/>
+          <a:chOff x="0" y="0"/>
+          <a:chExt cx="0" cy="0"/>
+        </a:xfrm>
+      </p:grpSpPr>
+      <p:sp>
+        <p:nvSpPr>
+          <p:cNvPr id="2" name="Title 1"/>
+          <p:cNvSpPr>
+            <a:spLocks noGrp="1"/>
+          </p:cNvSpPr>
+          <p:nvPr>
+            <p:ph type="title"/>
+          </p:nvPr>
+        </p:nvSpPr>
+        <p:spPr>
+          <a:xfrm>
+            <a:off x="457200" y="449932"/>
+            <a:ext cx="8286750" cy="1150353"/>
+          </a:xfrm>
+        </p:spPr>
+        <p:txBody>
+          <a:bodyPr/>
+          <a:lstStyle/>
+          <a:p>
+            <a:r>
+              <a:rPr lang="en-CA" dirty="0" smtClean="0">
+                <a:latin typeface="+mn-lt"/>
+              </a:rPr>
+              <a:t>Announcements</a:t>
+            </a:r>
+            <a:endParaRPr lang="en-CA" dirty="0">
+              <a:latin typeface="+mn-lt"/>
+            </a:endParaRPr>
+          </a:p>
+        </p:txBody>
+      </p:sp>
+      <p:sp>
+        <p:nvSpPr>
+          <p:cNvPr id="3" name="Content Placeholder 2"/>
+          <p:cNvSpPr>
+            <a:spLocks noGrp="1"/>
+          </p:cNvSpPr>
+          <p:nvPr>
+            <p:ph idx="1"/>
+          </p:nvPr>
+        </p:nvSpPr>
+        <p:spPr>
+          <a:xfrm>
+            <a:off x="457200" y="1756947"/>
+            <a:ext cx="8286750" cy="3596103"/>
+          </a:xfrm>
+        </p:spPr>
+        <p:txBody>
+          <a:bodyPr/>
+          <a:lstStyle/>
+          <a:p>
+            <a:endParaRPr lang="en-CA" dirty="0">
+              <a:latin typeface="+mn-lt"/>
+            </a:endParaRPr>
+          </a:p>
+        </p:txBody>
+      </p:sp>
+    </p:spTree>
+    <p:extLst>
+      <p:ext uri="{BB962C8B-B14F-4D97-AF65-F5344CB8AC3E}">
+        <p14:creationId xmlns:p14="http://schemas.microsoft.com/office/powerpoint/2010/main" val="1542972363"/>
+      </p:ext>
+    </p:extLst>
+  </p:cSld>
+  <p:clrMapOvr>
+    <a:masterClrMapping/>
+  </p:clrMapOvr>
+  <p:timing>
+    <p:tnLst>
+      <p:par>
+        <p:cTn id="1" dur="indefinite" restart="never" nodeType="tmRoot"/>
+      </p:par>
+    </p:tnLst>
+  </p:timing>
+</p:sld>
+</file>
+
+<file path=ppt/slides/slide13.xml><?xml version="1.0" encoding="utf-8"?>
 <p:sld xmlns:a="http://schemas.openxmlformats.org/drawingml/2006/main" xmlns:r="http://schemas.openxmlformats.org/officeDocument/2006/relationships" xmlns:p="http://schemas.openxmlformats.org/presentationml/2006/main">
   <p:cSld>
     <p:spTree>
@@ -7960,16 +8736,14 @@
           </a:xfrm>
         </p:spPr>
         <p:txBody>
-          <a:bodyPr>
-            <a:normAutofit/>
-          </a:bodyPr>
+          <a:bodyPr/>
           <a:lstStyle/>
           <a:p>
             <a:r>
               <a:rPr lang="en-CA" dirty="0" smtClean="0">
                 <a:latin typeface="+mn-lt"/>
               </a:rPr>
-              <a:t>Variables and Function Calls</a:t>
+              <a:t>Agenda</a:t>
             </a:r>
             <a:endParaRPr lang="en-CA" dirty="0">
               <a:latin typeface="+mn-lt"/>
@@ -7977,91 +8751,94 @@
           </a:p>
         </p:txBody>
       </p:sp>
-      <p:pic>
-        <p:nvPicPr>
-          <p:cNvPr id="5" name="Content Placeholder 4"/>
-          <p:cNvPicPr>
-            <a:picLocks noGrp="1" noChangeAspect="1"/>
-          </p:cNvPicPr>
+      <p:sp>
+        <p:nvSpPr>
+          <p:cNvPr id="3" name="Content Placeholder 2"/>
+          <p:cNvSpPr>
+            <a:spLocks noGrp="1"/>
+          </p:cNvSpPr>
           <p:nvPr>
             <p:ph idx="1"/>
           </p:nvPr>
-        </p:nvPicPr>
-        <p:blipFill>
-          <a:blip r:embed="rId2">
-            <a:extLst>
-              <a:ext uri="{28A0092B-C50C-407E-A947-70E740481C1C}">
-                <a14:useLocalDpi xmlns:a14="http://schemas.microsoft.com/office/drawing/2010/main" val="0"/>
-              </a:ext>
-            </a:extLst>
-          </a:blip>
-          <a:stretch>
-            <a:fillRect/>
-          </a:stretch>
-        </p:blipFill>
+        </p:nvSpPr>
         <p:spPr>
           <a:xfrm>
-            <a:off x="1110347" y="1600285"/>
-            <a:ext cx="6180356" cy="1440305"/>
-          </a:xfrm>
-        </p:spPr>
-      </p:pic>
-      <p:pic>
-        <p:nvPicPr>
-          <p:cNvPr id="3076" name="Picture 4"/>
-          <p:cNvPicPr>
-            <a:picLocks noChangeAspect="1" noChangeArrowheads="1"/>
-          </p:cNvPicPr>
-          <p:nvPr/>
-        </p:nvPicPr>
-        <p:blipFill rotWithShape="1">
-          <a:blip r:embed="rId3">
-            <a:extLst>
-              <a:ext uri="{28A0092B-C50C-407E-A947-70E740481C1C}">
-                <a14:useLocalDpi xmlns:a14="http://schemas.microsoft.com/office/drawing/2010/main" val="0"/>
-              </a:ext>
-            </a:extLst>
-          </a:blip>
-          <a:srcRect l="32266" t="34861" r="17813" b="28889"/>
-          <a:stretch/>
-        </p:blipFill>
-        <p:spPr bwMode="auto">
-          <a:xfrm>
-            <a:off x="2027549" y="3267075"/>
-            <a:ext cx="5088902" cy="2078566"/>
-          </a:xfrm>
-          <a:prstGeom prst="rect">
-            <a:avLst/>
-          </a:prstGeom>
-          <a:noFill/>
-          <a:ln>
-            <a:noFill/>
-          </a:ln>
-          <a:extLst>
-            <a:ext uri="{909E8E84-426E-40DD-AFC4-6F175D3DCCD1}">
-              <a14:hiddenFill xmlns:a14="http://schemas.microsoft.com/office/drawing/2010/main">
-                <a:solidFill>
-                  <a:schemeClr val="accent1"/>
-                </a:solidFill>
-              </a14:hiddenFill>
-            </a:ext>
-            <a:ext uri="{91240B29-F687-4F45-9708-019B960494DF}">
-              <a14:hiddenLine xmlns:a14="http://schemas.microsoft.com/office/drawing/2010/main" w="9525">
-                <a:solidFill>
-                  <a:schemeClr val="tx1"/>
-                </a:solidFill>
-                <a:miter lim="800000"/>
-                <a:headEnd/>
-                <a:tailEnd/>
-              </a14:hiddenLine>
-            </a:ext>
-          </a:extLst>
-        </p:spPr>
-      </p:pic>
+            <a:off x="457200" y="1756947"/>
+            <a:ext cx="8286750" cy="3596103"/>
+          </a:xfrm>
+        </p:spPr>
+        <p:txBody>
+          <a:bodyPr/>
+          <a:lstStyle/>
+          <a:p>
+            <a:pPr marL="514350" indent="-457200">
+              <a:buFont typeface="+mj-lt"/>
+              <a:buAutoNum type="arabicPeriod"/>
+            </a:pPr>
+            <a:r>
+              <a:rPr lang="en-CA" dirty="0" smtClean="0">
+                <a:latin typeface="Avenir LT Std 45 Book" pitchFamily="34" charset="0"/>
+              </a:rPr>
+              <a:t>Data Types</a:t>
+            </a:r>
+          </a:p>
+          <a:p>
+            <a:pPr marL="514350" indent="-457200">
+              <a:buFont typeface="+mj-lt"/>
+              <a:buAutoNum type="arabicPeriod"/>
+            </a:pPr>
+            <a:r>
+              <a:rPr lang="en-CA" dirty="0" smtClean="0">
+                <a:latin typeface="Avenir LT Std 45 Book" pitchFamily="34" charset="0"/>
+              </a:rPr>
+              <a:t>Arrays</a:t>
+            </a:r>
+          </a:p>
+          <a:p>
+            <a:pPr marL="514350" indent="-457200">
+              <a:buFont typeface="+mj-lt"/>
+              <a:buAutoNum type="arabicPeriod"/>
+            </a:pPr>
+            <a:r>
+              <a:rPr lang="en-CA" dirty="0" smtClean="0">
+                <a:latin typeface="Avenir LT Std 45 Book" pitchFamily="34" charset="0"/>
+              </a:rPr>
+              <a:t>Ranges</a:t>
+            </a:r>
+          </a:p>
+          <a:p>
+            <a:pPr marL="514350" indent="-457200">
+              <a:buFont typeface="+mj-lt"/>
+              <a:buAutoNum type="arabicPeriod"/>
+            </a:pPr>
+            <a:r>
+              <a:rPr lang="en-CA" dirty="0" smtClean="0">
+                <a:latin typeface="Avenir LT Std 45 Book" pitchFamily="34" charset="0"/>
+              </a:rPr>
+              <a:t>Tables</a:t>
+            </a:r>
+          </a:p>
+          <a:p>
+            <a:pPr marL="514350" indent="-457200">
+              <a:buFont typeface="+mj-lt"/>
+              <a:buAutoNum type="arabicPeriod"/>
+            </a:pPr>
+            <a:r>
+              <a:rPr lang="en-CA" dirty="0" smtClean="0">
+                <a:latin typeface="Avenir LT Std 45 Book" pitchFamily="34" charset="0"/>
+              </a:rPr>
+              <a:t>Lab Notebook</a:t>
+            </a:r>
+            <a:endParaRPr lang="en-CA" dirty="0">
+              <a:latin typeface="Avenir LT Std 45 Book" pitchFamily="34" charset="0"/>
+            </a:endParaRPr>
+          </a:p>
+        </p:txBody>
+      </p:sp>
     </p:spTree>
     <p:extLst>
       <p:ext uri="{BB962C8B-B14F-4D97-AF65-F5344CB8AC3E}">
-        <p14:creationId xmlns:p14="http://schemas.microsoft.com/office/powerpoint/2010/main" val="2687181237"/>
+        <p14:creationId xmlns:p14="http://schemas.microsoft.com/office/powerpoint/2010/main" val="2544391785"/>
       </p:ext>
     </p:extLst>
   </p:cSld>
@@ -8112,16 +8889,14 @@
           </a:xfrm>
         </p:spPr>
         <p:txBody>
-          <a:bodyPr>
-            <a:normAutofit/>
-          </a:bodyPr>
+          <a:bodyPr/>
           <a:lstStyle/>
           <a:p>
             <a:r>
               <a:rPr lang="en-CA" dirty="0" smtClean="0">
                 <a:latin typeface="+mn-lt"/>
               </a:rPr>
-              <a:t>Expressions: Common Functions</a:t>
+              <a:t>Data Types</a:t>
             </a:r>
             <a:endParaRPr lang="en-CA" dirty="0">
               <a:latin typeface="+mn-lt"/>
@@ -8131,550 +8906,122 @@
       </p:sp>
       <p:sp>
         <p:nvSpPr>
-          <p:cNvPr id="4" name="AutoShape 2" descr="https://datahub.berkeley.edu/user/hubertluo/files/materials-sp19/materials/sp19/lab/lab02/statement.png"/>
+          <p:cNvPr id="3" name="Content Placeholder 2"/>
           <p:cNvSpPr>
-            <a:spLocks noChangeAspect="1" noChangeArrowheads="1"/>
+            <a:spLocks noGrp="1"/>
           </p:cNvSpPr>
-          <p:nvPr/>
+          <p:nvPr>
+            <p:ph idx="1"/>
+          </p:nvPr>
         </p:nvSpPr>
-        <p:spPr bwMode="auto">
-          <a:xfrm>
-            <a:off x="155575" y="-144463"/>
-            <a:ext cx="304800" cy="304801"/>
-          </a:xfrm>
-          <a:prstGeom prst="rect">
-            <a:avLst/>
-          </a:prstGeom>
-          <a:noFill/>
-          <a:extLst>
-            <a:ext uri="{909E8E84-426E-40DD-AFC4-6F175D3DCCD1}">
-              <a14:hiddenFill xmlns:a14="http://schemas.microsoft.com/office/drawing/2010/main">
-                <a:solidFill>
-                  <a:srgbClr val="FFFFFF"/>
-                </a:solidFill>
-              </a14:hiddenFill>
-            </a:ext>
-          </a:extLst>
+        <p:spPr>
+          <a:xfrm>
+            <a:off x="457200" y="1756947"/>
+            <a:ext cx="8286750" cy="3596103"/>
+          </a:xfrm>
         </p:spPr>
         <p:txBody>
-          <a:bodyPr vert="horz" wrap="square" lIns="91440" tIns="45720" rIns="91440" bIns="45720" numCol="1" anchor="t" anchorCtr="0" compatLnSpc="1">
-            <a:prstTxWarp prst="textNoShape">
-              <a:avLst/>
-            </a:prstTxWarp>
-          </a:bodyPr>
+          <a:bodyPr/>
           <a:lstStyle/>
           <a:p>
-            <a:endParaRPr lang="en-CA"/>
+            <a:r>
+              <a:rPr lang="en-CA" dirty="0" smtClean="0">
+                <a:latin typeface="+mn-lt"/>
+              </a:rPr>
+              <a:t>Functions</a:t>
+            </a:r>
+          </a:p>
+          <a:p>
+            <a:pPr lvl="1"/>
+            <a:r>
+              <a:rPr lang="en-CA" dirty="0" smtClean="0">
+                <a:latin typeface="+mn-lt"/>
+              </a:rPr>
+              <a:t>abs, max, min</a:t>
+            </a:r>
+          </a:p>
+          <a:p>
+            <a:r>
+              <a:rPr lang="en-CA" dirty="0" smtClean="0">
+                <a:latin typeface="+mn-lt"/>
+              </a:rPr>
+              <a:t>Numbers</a:t>
+            </a:r>
+          </a:p>
+          <a:p>
+            <a:pPr lvl="1"/>
+            <a:r>
+              <a:rPr lang="en-CA" dirty="0" smtClean="0">
+                <a:latin typeface="+mn-lt"/>
+              </a:rPr>
+              <a:t>Integers: 1,2,3</a:t>
+            </a:r>
+          </a:p>
+          <a:p>
+            <a:pPr lvl="1"/>
+            <a:r>
+              <a:rPr lang="en-CA" dirty="0" smtClean="0">
+                <a:latin typeface="+mn-lt"/>
+              </a:rPr>
+              <a:t>Float: 1.0, 2.1, 3.6, 9e2</a:t>
+            </a:r>
+          </a:p>
+          <a:p>
+            <a:r>
+              <a:rPr lang="en-CA" dirty="0" smtClean="0">
+                <a:latin typeface="+mn-lt"/>
+              </a:rPr>
+              <a:t>Strings</a:t>
+            </a:r>
+          </a:p>
+          <a:p>
+            <a:pPr lvl="1"/>
+            <a:r>
+              <a:rPr lang="en-CA" dirty="0" smtClean="0">
+                <a:latin typeface="+mn-lt"/>
+              </a:rPr>
+              <a:t>“data”, ‘science’</a:t>
+            </a:r>
+          </a:p>
+          <a:p>
+            <a:r>
+              <a:rPr lang="en-CA" dirty="0" smtClean="0">
+                <a:latin typeface="+mn-lt"/>
+              </a:rPr>
+              <a:t>Boolean</a:t>
+            </a:r>
+          </a:p>
+          <a:p>
+            <a:pPr lvl="1"/>
+            <a:r>
+              <a:rPr lang="en-CA" dirty="0" smtClean="0">
+                <a:latin typeface="+mn-lt"/>
+              </a:rPr>
+              <a:t>True, False</a:t>
+            </a:r>
+          </a:p>
+          <a:p>
+            <a:pPr lvl="1"/>
+            <a:endParaRPr lang="en-CA" dirty="0" smtClean="0">
+              <a:latin typeface="+mn-lt"/>
+            </a:endParaRPr>
+          </a:p>
+          <a:p>
+            <a:endParaRPr lang="en-CA" dirty="0" smtClean="0">
+              <a:latin typeface="+mn-lt"/>
+            </a:endParaRPr>
+          </a:p>
+          <a:p>
+            <a:endParaRPr lang="en-CA" dirty="0">
+              <a:latin typeface="+mn-lt"/>
+            </a:endParaRPr>
           </a:p>
         </p:txBody>
       </p:sp>
-      <p:graphicFrame>
-        <p:nvGraphicFramePr>
-          <p:cNvPr id="7" name="Content Placeholder 6"/>
-          <p:cNvGraphicFramePr>
-            <a:graphicFrameLocks noGrp="1"/>
-          </p:cNvGraphicFramePr>
-          <p:nvPr>
-            <p:ph idx="1"/>
-            <p:extLst>
-              <p:ext uri="{D42A27DB-BD31-4B8C-83A1-F6EECF244321}">
-                <p14:modId xmlns:p14="http://schemas.microsoft.com/office/powerpoint/2010/main" val="2248615442"/>
-              </p:ext>
-            </p:extLst>
-          </p:nvPr>
-        </p:nvGraphicFramePr>
-        <p:xfrm>
-          <a:off x="615950" y="1624098"/>
-          <a:ext cx="7740652" cy="2595880"/>
-        </p:xfrm>
-        <a:graphic>
-          <a:graphicData uri="http://schemas.openxmlformats.org/drawingml/2006/table">
-            <a:tbl>
-              <a:tblPr firstRow="1" bandRow="1">
-                <a:tableStyleId>{5C22544A-7EE6-4342-B048-85BDC9FD1C3A}</a:tableStyleId>
-              </a:tblPr>
-              <a:tblGrid>
-                <a:gridCol w="2622550"/>
-                <a:gridCol w="1247776"/>
-                <a:gridCol w="1935163"/>
-                <a:gridCol w="1935163"/>
-              </a:tblGrid>
-              <a:tr h="370840">
-                <a:tc>
-                  <a:txBody>
-                    <a:bodyPr/>
-                    <a:lstStyle/>
-                    <a:p>
-                      <a:pPr algn="ctr"/>
-                      <a:r>
-                        <a:rPr lang="en-CA" dirty="0" smtClean="0">
-                          <a:effectLst/>
-                        </a:rPr>
-                        <a:t>Expression </a:t>
-                      </a:r>
-                      <a:r>
-                        <a:rPr lang="en-CA" dirty="0">
-                          <a:effectLst/>
-                        </a:rPr>
-                        <a:t>Type</a:t>
-                      </a:r>
-                    </a:p>
-                  </a:txBody>
-                  <a:tcPr anchor="ctr"/>
-                </a:tc>
-                <a:tc>
-                  <a:txBody>
-                    <a:bodyPr/>
-                    <a:lstStyle/>
-                    <a:p>
-                      <a:pPr algn="ctr"/>
-                      <a:r>
-                        <a:rPr lang="en-CA">
-                          <a:effectLst/>
-                        </a:rPr>
-                        <a:t>Operator</a:t>
-                      </a:r>
-                    </a:p>
-                  </a:txBody>
-                  <a:tcPr anchor="ctr"/>
-                </a:tc>
-                <a:tc>
-                  <a:txBody>
-                    <a:bodyPr/>
-                    <a:lstStyle/>
-                    <a:p>
-                      <a:pPr algn="ctr"/>
-                      <a:r>
-                        <a:rPr lang="en-CA" dirty="0">
-                          <a:effectLst/>
-                        </a:rPr>
-                        <a:t>Example</a:t>
-                      </a:r>
-                    </a:p>
-                  </a:txBody>
-                  <a:tcPr anchor="ctr"/>
-                </a:tc>
-                <a:tc>
-                  <a:txBody>
-                    <a:bodyPr/>
-                    <a:lstStyle/>
-                    <a:p>
-                      <a:pPr algn="ctr"/>
-                      <a:r>
-                        <a:rPr lang="en-CA">
-                          <a:effectLst/>
-                        </a:rPr>
-                        <a:t>Value</a:t>
-                      </a:r>
-                    </a:p>
-                  </a:txBody>
-                  <a:tcPr anchor="ctr"/>
-                </a:tc>
-              </a:tr>
-              <a:tr h="370840">
-                <a:tc>
-                  <a:txBody>
-                    <a:bodyPr/>
-                    <a:lstStyle/>
-                    <a:p>
-                      <a:pPr algn="ctr"/>
-                      <a:r>
-                        <a:rPr lang="en-CA">
-                          <a:effectLst/>
-                        </a:rPr>
-                        <a:t>Addition</a:t>
-                      </a:r>
-                    </a:p>
-                  </a:txBody>
-                  <a:tcPr anchor="ctr"/>
-                </a:tc>
-                <a:tc>
-                  <a:txBody>
-                    <a:bodyPr/>
-                    <a:lstStyle/>
-                    <a:p>
-                      <a:pPr algn="ctr"/>
-                      <a:r>
-                        <a:rPr lang="en-CA">
-                          <a:effectLst/>
-                        </a:rPr>
-                        <a:t>+</a:t>
-                      </a:r>
-                    </a:p>
-                  </a:txBody>
-                  <a:tcPr anchor="ctr"/>
-                </a:tc>
-                <a:tc>
-                  <a:txBody>
-                    <a:bodyPr/>
-                    <a:lstStyle/>
-                    <a:p>
-                      <a:pPr algn="ctr"/>
-                      <a:r>
-                        <a:rPr lang="en-CA">
-                          <a:effectLst/>
-                        </a:rPr>
-                        <a:t>2 + 3</a:t>
-                      </a:r>
-                    </a:p>
-                  </a:txBody>
-                  <a:tcPr anchor="ctr"/>
-                </a:tc>
-                <a:tc>
-                  <a:txBody>
-                    <a:bodyPr/>
-                    <a:lstStyle/>
-                    <a:p>
-                      <a:pPr algn="ctr"/>
-                      <a:r>
-                        <a:rPr lang="en-CA">
-                          <a:effectLst/>
-                        </a:rPr>
-                        <a:t>5</a:t>
-                      </a:r>
-                    </a:p>
-                  </a:txBody>
-                  <a:tcPr anchor="ctr"/>
-                </a:tc>
-              </a:tr>
-              <a:tr h="370840">
-                <a:tc>
-                  <a:txBody>
-                    <a:bodyPr/>
-                    <a:lstStyle/>
-                    <a:p>
-                      <a:pPr algn="ctr"/>
-                      <a:r>
-                        <a:rPr lang="en-CA">
-                          <a:effectLst/>
-                        </a:rPr>
-                        <a:t>Subtraction</a:t>
-                      </a:r>
-                    </a:p>
-                  </a:txBody>
-                  <a:tcPr anchor="ctr"/>
-                </a:tc>
-                <a:tc>
-                  <a:txBody>
-                    <a:bodyPr/>
-                    <a:lstStyle/>
-                    <a:p>
-                      <a:pPr algn="ctr"/>
-                      <a:r>
-                        <a:rPr lang="en-CA">
-                          <a:effectLst/>
-                        </a:rPr>
-                        <a:t>-</a:t>
-                      </a:r>
-                    </a:p>
-                  </a:txBody>
-                  <a:tcPr anchor="ctr"/>
-                </a:tc>
-                <a:tc>
-                  <a:txBody>
-                    <a:bodyPr/>
-                    <a:lstStyle/>
-                    <a:p>
-                      <a:pPr algn="ctr"/>
-                      <a:r>
-                        <a:rPr lang="en-CA">
-                          <a:effectLst/>
-                        </a:rPr>
-                        <a:t>2 - 3</a:t>
-                      </a:r>
-                    </a:p>
-                  </a:txBody>
-                  <a:tcPr anchor="ctr"/>
-                </a:tc>
-                <a:tc>
-                  <a:txBody>
-                    <a:bodyPr/>
-                    <a:lstStyle/>
-                    <a:p>
-                      <a:pPr algn="ctr"/>
-                      <a:r>
-                        <a:rPr lang="en-CA">
-                          <a:effectLst/>
-                        </a:rPr>
-                        <a:t>-1</a:t>
-                      </a:r>
-                    </a:p>
-                  </a:txBody>
-                  <a:tcPr anchor="ctr"/>
-                </a:tc>
-              </a:tr>
-              <a:tr h="370840">
-                <a:tc>
-                  <a:txBody>
-                    <a:bodyPr/>
-                    <a:lstStyle/>
-                    <a:p>
-                      <a:pPr algn="ctr"/>
-                      <a:r>
-                        <a:rPr lang="en-CA">
-                          <a:effectLst/>
-                        </a:rPr>
-                        <a:t>Multiplication</a:t>
-                      </a:r>
-                    </a:p>
-                  </a:txBody>
-                  <a:tcPr anchor="ctr"/>
-                </a:tc>
-                <a:tc>
-                  <a:txBody>
-                    <a:bodyPr/>
-                    <a:lstStyle/>
-                    <a:p>
-                      <a:pPr algn="ctr"/>
-                      <a:r>
-                        <a:rPr lang="en-CA">
-                          <a:effectLst/>
-                        </a:rPr>
-                        <a:t>*</a:t>
-                      </a:r>
-                    </a:p>
-                  </a:txBody>
-                  <a:tcPr anchor="ctr"/>
-                </a:tc>
-                <a:tc>
-                  <a:txBody>
-                    <a:bodyPr/>
-                    <a:lstStyle/>
-                    <a:p>
-                      <a:pPr algn="ctr"/>
-                      <a:r>
-                        <a:rPr lang="en-CA">
-                          <a:effectLst/>
-                        </a:rPr>
-                        <a:t>2 * 3</a:t>
-                      </a:r>
-                    </a:p>
-                  </a:txBody>
-                  <a:tcPr anchor="ctr"/>
-                </a:tc>
-                <a:tc>
-                  <a:txBody>
-                    <a:bodyPr/>
-                    <a:lstStyle/>
-                    <a:p>
-                      <a:pPr algn="ctr"/>
-                      <a:r>
-                        <a:rPr lang="en-CA">
-                          <a:effectLst/>
-                        </a:rPr>
-                        <a:t>6</a:t>
-                      </a:r>
-                    </a:p>
-                  </a:txBody>
-                  <a:tcPr anchor="ctr"/>
-                </a:tc>
-              </a:tr>
-              <a:tr h="370840">
-                <a:tc>
-                  <a:txBody>
-                    <a:bodyPr/>
-                    <a:lstStyle/>
-                    <a:p>
-                      <a:pPr algn="ctr"/>
-                      <a:r>
-                        <a:rPr lang="en-CA">
-                          <a:effectLst/>
-                        </a:rPr>
-                        <a:t>Division</a:t>
-                      </a:r>
-                    </a:p>
-                  </a:txBody>
-                  <a:tcPr anchor="ctr"/>
-                </a:tc>
-                <a:tc>
-                  <a:txBody>
-                    <a:bodyPr/>
-                    <a:lstStyle/>
-                    <a:p>
-                      <a:pPr algn="ctr"/>
-                      <a:r>
-                        <a:rPr lang="en-CA">
-                          <a:effectLst/>
-                        </a:rPr>
-                        <a:t>/</a:t>
-                      </a:r>
-                    </a:p>
-                  </a:txBody>
-                  <a:tcPr anchor="ctr"/>
-                </a:tc>
-                <a:tc>
-                  <a:txBody>
-                    <a:bodyPr/>
-                    <a:lstStyle/>
-                    <a:p>
-                      <a:pPr algn="ctr"/>
-                      <a:r>
-                        <a:rPr lang="en-CA">
-                          <a:effectLst/>
-                        </a:rPr>
-                        <a:t>7 / 3</a:t>
-                      </a:r>
-                    </a:p>
-                  </a:txBody>
-                  <a:tcPr anchor="ctr"/>
-                </a:tc>
-                <a:tc>
-                  <a:txBody>
-                    <a:bodyPr/>
-                    <a:lstStyle/>
-                    <a:p>
-                      <a:pPr algn="ctr"/>
-                      <a:r>
-                        <a:rPr lang="en-CA">
-                          <a:effectLst/>
-                        </a:rPr>
-                        <a:t>2.66667</a:t>
-                      </a:r>
-                    </a:p>
-                  </a:txBody>
-                  <a:tcPr anchor="ctr"/>
-                </a:tc>
-              </a:tr>
-              <a:tr h="370840">
-                <a:tc>
-                  <a:txBody>
-                    <a:bodyPr/>
-                    <a:lstStyle/>
-                    <a:p>
-                      <a:pPr algn="ctr"/>
-                      <a:r>
-                        <a:rPr lang="en-CA">
-                          <a:effectLst/>
-                        </a:rPr>
-                        <a:t>Remainder</a:t>
-                      </a:r>
-                    </a:p>
-                  </a:txBody>
-                  <a:tcPr anchor="ctr"/>
-                </a:tc>
-                <a:tc>
-                  <a:txBody>
-                    <a:bodyPr/>
-                    <a:lstStyle/>
-                    <a:p>
-                      <a:pPr algn="ctr"/>
-                      <a:r>
-                        <a:rPr lang="en-CA">
-                          <a:effectLst/>
-                        </a:rPr>
-                        <a:t>%</a:t>
-                      </a:r>
-                    </a:p>
-                  </a:txBody>
-                  <a:tcPr anchor="ctr"/>
-                </a:tc>
-                <a:tc>
-                  <a:txBody>
-                    <a:bodyPr/>
-                    <a:lstStyle/>
-                    <a:p>
-                      <a:pPr algn="ctr"/>
-                      <a:r>
-                        <a:rPr lang="en-CA">
-                          <a:effectLst/>
-                        </a:rPr>
-                        <a:t>7 % 3</a:t>
-                      </a:r>
-                    </a:p>
-                  </a:txBody>
-                  <a:tcPr anchor="ctr"/>
-                </a:tc>
-                <a:tc>
-                  <a:txBody>
-                    <a:bodyPr/>
-                    <a:lstStyle/>
-                    <a:p>
-                      <a:pPr algn="ctr"/>
-                      <a:r>
-                        <a:rPr lang="en-CA">
-                          <a:effectLst/>
-                        </a:rPr>
-                        <a:t>1</a:t>
-                      </a:r>
-                    </a:p>
-                  </a:txBody>
-                  <a:tcPr anchor="ctr"/>
-                </a:tc>
-              </a:tr>
-              <a:tr h="370840">
-                <a:tc>
-                  <a:txBody>
-                    <a:bodyPr/>
-                    <a:lstStyle/>
-                    <a:p>
-                      <a:pPr algn="ctr"/>
-                      <a:r>
-                        <a:rPr lang="en-CA" dirty="0">
-                          <a:effectLst/>
-                        </a:rPr>
-                        <a:t>Exponentiation</a:t>
-                      </a:r>
-                    </a:p>
-                  </a:txBody>
-                  <a:tcPr anchor="ctr"/>
-                </a:tc>
-                <a:tc>
-                  <a:txBody>
-                    <a:bodyPr/>
-                    <a:lstStyle/>
-                    <a:p>
-                      <a:pPr algn="ctr"/>
-                      <a:r>
-                        <a:rPr lang="en-CA">
-                          <a:effectLst/>
-                        </a:rPr>
-                        <a:t>**</a:t>
-                      </a:r>
-                    </a:p>
-                  </a:txBody>
-                  <a:tcPr anchor="ctr"/>
-                </a:tc>
-                <a:tc>
-                  <a:txBody>
-                    <a:bodyPr/>
-                    <a:lstStyle/>
-                    <a:p>
-                      <a:pPr algn="ctr"/>
-                      <a:r>
-                        <a:rPr lang="en-CA">
-                          <a:effectLst/>
-                        </a:rPr>
-                        <a:t>2 ** 0.5</a:t>
-                      </a:r>
-                    </a:p>
-                  </a:txBody>
-                  <a:tcPr anchor="ctr"/>
-                </a:tc>
-                <a:tc>
-                  <a:txBody>
-                    <a:bodyPr/>
-                    <a:lstStyle/>
-                    <a:p>
-                      <a:pPr algn="ctr"/>
-                      <a:r>
-                        <a:rPr lang="en-CA" dirty="0">
-                          <a:effectLst/>
-                        </a:rPr>
-                        <a:t>1.41421</a:t>
-                      </a:r>
-                    </a:p>
-                  </a:txBody>
-                  <a:tcPr anchor="ctr"/>
-                </a:tc>
-              </a:tr>
-            </a:tbl>
-          </a:graphicData>
-        </a:graphic>
-      </p:graphicFrame>
     </p:spTree>
     <p:extLst>
       <p:ext uri="{BB962C8B-B14F-4D97-AF65-F5344CB8AC3E}">
-        <p14:creationId xmlns:p14="http://schemas.microsoft.com/office/powerpoint/2010/main" val="2912186225"/>
+        <p14:creationId xmlns:p14="http://schemas.microsoft.com/office/powerpoint/2010/main" val="203414778"/>
       </p:ext>
     </p:extLst>
   </p:cSld>
@@ -8734,7 +9081,7 @@
               <a:rPr lang="en-CA" dirty="0" smtClean="0">
                 <a:latin typeface="+mn-lt"/>
               </a:rPr>
-              <a:t>Expressions: Common Functions</a:t>
+              <a:t>Data Types: Demo</a:t>
             </a:r>
             <a:endParaRPr lang="en-CA" dirty="0">
               <a:latin typeface="+mn-lt"/>
@@ -8742,370 +9089,6 @@
           </a:p>
         </p:txBody>
       </p:sp>
-      <p:graphicFrame>
-        <p:nvGraphicFramePr>
-          <p:cNvPr id="5" name="Content Placeholder 4"/>
-          <p:cNvGraphicFramePr>
-            <a:graphicFrameLocks noGrp="1"/>
-          </p:cNvGraphicFramePr>
-          <p:nvPr>
-            <p:ph idx="1"/>
-            <p:extLst>
-              <p:ext uri="{D42A27DB-BD31-4B8C-83A1-F6EECF244321}">
-                <p14:modId xmlns:p14="http://schemas.microsoft.com/office/powerpoint/2010/main" val="2500158944"/>
-              </p:ext>
-            </p:extLst>
-          </p:nvPr>
-        </p:nvGraphicFramePr>
-        <p:xfrm>
-          <a:off x="590550" y="1624098"/>
-          <a:ext cx="8286750" cy="3571240"/>
-        </p:xfrm>
-        <a:graphic>
-          <a:graphicData uri="http://schemas.openxmlformats.org/drawingml/2006/table">
-            <a:tbl>
-              <a:tblPr firstRow="1" bandRow="1">
-                <a:tableStyleId>{5C22544A-7EE6-4342-B048-85BDC9FD1C3A}</a:tableStyleId>
-              </a:tblPr>
-              <a:tblGrid>
-                <a:gridCol w="1419225"/>
-                <a:gridCol w="4086225"/>
-                <a:gridCol w="2781300"/>
-              </a:tblGrid>
-              <a:tr h="370840">
-                <a:tc>
-                  <a:txBody>
-                    <a:bodyPr/>
-                    <a:lstStyle/>
-                    <a:p>
-                      <a:pPr algn="ctr"/>
-                      <a:r>
-                        <a:rPr lang="en-CA" dirty="0" smtClean="0"/>
-                        <a:t>Function</a:t>
-                      </a:r>
-                      <a:endParaRPr lang="en-CA" dirty="0"/>
-                    </a:p>
-                  </a:txBody>
-                  <a:tcPr/>
-                </a:tc>
-                <a:tc>
-                  <a:txBody>
-                    <a:bodyPr/>
-                    <a:lstStyle/>
-                    <a:p>
-                      <a:pPr algn="ctr"/>
-                      <a:r>
-                        <a:rPr lang="en-CA" dirty="0" smtClean="0"/>
-                        <a:t>Description</a:t>
-                      </a:r>
-                      <a:endParaRPr lang="en-CA" dirty="0"/>
-                    </a:p>
-                  </a:txBody>
-                  <a:tcPr/>
-                </a:tc>
-                <a:tc>
-                  <a:txBody>
-                    <a:bodyPr/>
-                    <a:lstStyle/>
-                    <a:p>
-                      <a:pPr algn="ctr"/>
-                      <a:r>
-                        <a:rPr lang="en-CA" dirty="0" smtClean="0"/>
-                        <a:t>Example</a:t>
-                      </a:r>
-                      <a:endParaRPr lang="en-CA" dirty="0"/>
-                    </a:p>
-                  </a:txBody>
-                  <a:tcPr/>
-                </a:tc>
-              </a:tr>
-              <a:tr h="370840">
-                <a:tc>
-                  <a:txBody>
-                    <a:bodyPr/>
-                    <a:lstStyle/>
-                    <a:p>
-                      <a:pPr algn="ctr" fontAlgn="ctr"/>
-                      <a:r>
-                        <a:rPr lang="en-CA" dirty="0">
-                          <a:effectLst/>
-                        </a:rPr>
-                        <a:t>abs</a:t>
-                      </a:r>
-                    </a:p>
-                  </a:txBody>
-                  <a:tcPr anchor="ctr"/>
-                </a:tc>
-                <a:tc>
-                  <a:txBody>
-                    <a:bodyPr/>
-                    <a:lstStyle/>
-                    <a:p>
-                      <a:pPr algn="ctr" fontAlgn="ctr"/>
-                      <a:r>
-                        <a:rPr lang="en-CA" dirty="0">
-                          <a:effectLst/>
-                        </a:rPr>
-                        <a:t>Returns the absolute value of its </a:t>
-                      </a:r>
-                      <a:r>
-                        <a:rPr lang="en-CA" dirty="0" smtClean="0">
-                          <a:effectLst/>
-                        </a:rPr>
-                        <a:t>argument</a:t>
-                      </a:r>
-                    </a:p>
-                  </a:txBody>
-                  <a:tcPr anchor="ctr"/>
-                </a:tc>
-                <a:tc>
-                  <a:txBody>
-                    <a:bodyPr/>
-                    <a:lstStyle/>
-                    <a:p>
-                      <a:pPr algn="ctr" fontAlgn="ctr"/>
-                      <a:r>
-                        <a:rPr lang="en-CA" dirty="0" smtClean="0">
-                          <a:effectLst/>
-                        </a:rPr>
-                        <a:t>abs(-3)</a:t>
-                      </a:r>
-                      <a:r>
-                        <a:rPr lang="en-CA" baseline="0" dirty="0" smtClean="0">
-                          <a:effectLst/>
-                        </a:rPr>
-                        <a:t> -&gt; 3</a:t>
-                      </a:r>
-                      <a:endParaRPr lang="en-CA" dirty="0" smtClean="0">
-                        <a:effectLst/>
-                      </a:endParaRPr>
-                    </a:p>
-                  </a:txBody>
-                  <a:tcPr anchor="ctr"/>
-                </a:tc>
-              </a:tr>
-              <a:tr h="370840">
-                <a:tc>
-                  <a:txBody>
-                    <a:bodyPr/>
-                    <a:lstStyle/>
-                    <a:p>
-                      <a:pPr algn="ctr" fontAlgn="ctr"/>
-                      <a:r>
-                        <a:rPr lang="en-CA">
-                          <a:effectLst/>
-                        </a:rPr>
-                        <a:t>max</a:t>
-                      </a:r>
-                    </a:p>
-                  </a:txBody>
-                  <a:tcPr anchor="ctr"/>
-                </a:tc>
-                <a:tc>
-                  <a:txBody>
-                    <a:bodyPr/>
-                    <a:lstStyle/>
-                    <a:p>
-                      <a:pPr algn="ctr" fontAlgn="ctr"/>
-                      <a:r>
-                        <a:rPr lang="en-CA">
-                          <a:effectLst/>
-                        </a:rPr>
-                        <a:t>Returns the maximum of all its arguments</a:t>
-                      </a:r>
-                    </a:p>
-                  </a:txBody>
-                  <a:tcPr anchor="ctr"/>
-                </a:tc>
-                <a:tc>
-                  <a:txBody>
-                    <a:bodyPr/>
-                    <a:lstStyle/>
-                    <a:p>
-                      <a:pPr algn="ctr" fontAlgn="ctr"/>
-                      <a:r>
-                        <a:rPr lang="en-CA" dirty="0" smtClean="0">
-                          <a:effectLst/>
-                        </a:rPr>
-                        <a:t>max(1,2) -&gt; 2</a:t>
-                      </a:r>
-                      <a:endParaRPr lang="en-CA" dirty="0">
-                        <a:effectLst/>
-                      </a:endParaRPr>
-                    </a:p>
-                  </a:txBody>
-                  <a:tcPr anchor="ctr"/>
-                </a:tc>
-              </a:tr>
-              <a:tr h="370840">
-                <a:tc>
-                  <a:txBody>
-                    <a:bodyPr/>
-                    <a:lstStyle/>
-                    <a:p>
-                      <a:pPr algn="ctr" fontAlgn="ctr"/>
-                      <a:r>
-                        <a:rPr lang="en-CA">
-                          <a:effectLst/>
-                        </a:rPr>
-                        <a:t>min</a:t>
-                      </a:r>
-                    </a:p>
-                  </a:txBody>
-                  <a:tcPr anchor="ctr"/>
-                </a:tc>
-                <a:tc>
-                  <a:txBody>
-                    <a:bodyPr/>
-                    <a:lstStyle/>
-                    <a:p>
-                      <a:pPr algn="ctr" fontAlgn="ctr"/>
-                      <a:r>
-                        <a:rPr lang="en-CA">
-                          <a:effectLst/>
-                        </a:rPr>
-                        <a:t>Returns the minimum of all its arguments</a:t>
-                      </a:r>
-                    </a:p>
-                  </a:txBody>
-                  <a:tcPr anchor="ctr"/>
-                </a:tc>
-                <a:tc>
-                  <a:txBody>
-                    <a:bodyPr/>
-                    <a:lstStyle/>
-                    <a:p>
-                      <a:pPr algn="ctr" fontAlgn="ctr"/>
-                      <a:r>
-                        <a:rPr lang="en-CA" dirty="0" smtClean="0">
-                          <a:effectLst/>
-                        </a:rPr>
-                        <a:t>min(1,3)</a:t>
-                      </a:r>
-                      <a:r>
-                        <a:rPr lang="en-CA" baseline="0" dirty="0" smtClean="0">
-                          <a:effectLst/>
-                        </a:rPr>
-                        <a:t> -&gt; 1</a:t>
-                      </a:r>
-                      <a:endParaRPr lang="en-CA" dirty="0">
-                        <a:effectLst/>
-                      </a:endParaRPr>
-                    </a:p>
-                  </a:txBody>
-                  <a:tcPr anchor="ctr"/>
-                </a:tc>
-              </a:tr>
-              <a:tr h="370840">
-                <a:tc>
-                  <a:txBody>
-                    <a:bodyPr/>
-                    <a:lstStyle/>
-                    <a:p>
-                      <a:pPr algn="ctr" fontAlgn="ctr"/>
-                      <a:r>
-                        <a:rPr lang="en-CA">
-                          <a:effectLst/>
-                        </a:rPr>
-                        <a:t>pow</a:t>
-                      </a:r>
-                    </a:p>
-                  </a:txBody>
-                  <a:tcPr anchor="ctr"/>
-                </a:tc>
-                <a:tc>
-                  <a:txBody>
-                    <a:bodyPr/>
-                    <a:lstStyle/>
-                    <a:p>
-                      <a:pPr algn="ctr" fontAlgn="ctr"/>
-                      <a:r>
-                        <a:rPr lang="en-CA">
-                          <a:effectLst/>
-                        </a:rPr>
-                        <a:t>Raises its first argument to the power of its second argument</a:t>
-                      </a:r>
-                    </a:p>
-                  </a:txBody>
-                  <a:tcPr anchor="ctr"/>
-                </a:tc>
-                <a:tc>
-                  <a:txBody>
-                    <a:bodyPr/>
-                    <a:lstStyle/>
-                    <a:p>
-                      <a:pPr algn="ctr" fontAlgn="ctr"/>
-                      <a:r>
-                        <a:rPr lang="en-CA" dirty="0" smtClean="0">
-                          <a:effectLst/>
-                        </a:rPr>
-                        <a:t>pow(2,0) -&gt; 1</a:t>
-                      </a:r>
-                      <a:endParaRPr lang="en-CA" dirty="0">
-                        <a:effectLst/>
-                      </a:endParaRPr>
-                    </a:p>
-                  </a:txBody>
-                  <a:tcPr anchor="ctr"/>
-                </a:tc>
-              </a:tr>
-              <a:tr h="370840">
-                <a:tc>
-                  <a:txBody>
-                    <a:bodyPr/>
-                    <a:lstStyle/>
-                    <a:p>
-                      <a:pPr algn="ctr" fontAlgn="ctr"/>
-                      <a:r>
-                        <a:rPr lang="en-CA">
-                          <a:effectLst/>
-                        </a:rPr>
-                        <a:t>round</a:t>
-                      </a:r>
-                    </a:p>
-                  </a:txBody>
-                  <a:tcPr anchor="ctr"/>
-                </a:tc>
-                <a:tc>
-                  <a:txBody>
-                    <a:bodyPr/>
-                    <a:lstStyle/>
-                    <a:p>
-                      <a:pPr algn="ctr" fontAlgn="ctr"/>
-                      <a:r>
-                        <a:rPr lang="en-CA" dirty="0">
-                          <a:effectLst/>
-                        </a:rPr>
-                        <a:t>Rounds its argument to the nearest integer</a:t>
-                      </a:r>
-                    </a:p>
-                  </a:txBody>
-                  <a:tcPr anchor="ctr"/>
-                </a:tc>
-                <a:tc>
-                  <a:txBody>
-                    <a:bodyPr/>
-                    <a:lstStyle/>
-                    <a:p>
-                      <a:pPr algn="ctr" fontAlgn="ctr"/>
-                      <a:r>
-                        <a:rPr lang="en-CA" dirty="0" smtClean="0">
-                          <a:effectLst/>
-                        </a:rPr>
-                        <a:t>round(0.6) -&gt; 1</a:t>
-                      </a:r>
-                      <a:endParaRPr lang="en-CA" dirty="0">
-                        <a:effectLst/>
-                      </a:endParaRPr>
-                    </a:p>
-                  </a:txBody>
-                  <a:tcPr anchor="ctr"/>
-                </a:tc>
-              </a:tr>
-            </a:tbl>
-          </a:graphicData>
-        </a:graphic>
-      </p:graphicFrame>
       <p:sp>
         <p:nvSpPr>
           <p:cNvPr id="4" name="AutoShape 2" descr="https://datahub.berkeley.edu/user/hubertluo/files/materials-sp19/materials/sp19/lab/lab02/statement.png"/>
@@ -9145,10 +9128,33 @@
           </a:p>
         </p:txBody>
       </p:sp>
+      <p:sp>
+        <p:nvSpPr>
+          <p:cNvPr id="3" name="Content Placeholder 2"/>
+          <p:cNvSpPr>
+            <a:spLocks noGrp="1"/>
+          </p:cNvSpPr>
+          <p:nvPr>
+            <p:ph idx="1"/>
+          </p:nvPr>
+        </p:nvSpPr>
+        <p:spPr/>
+        <p:txBody>
+          <a:bodyPr/>
+          <a:lstStyle/>
+          <a:p>
+            <a:r>
+              <a:rPr lang="en-CA" dirty="0" smtClean="0"/>
+              <a:t>(Demo on Notebook)</a:t>
+            </a:r>
+            <a:endParaRPr lang="en-CA" dirty="0"/>
+          </a:p>
+        </p:txBody>
+      </p:sp>
     </p:spTree>
     <p:extLst>
       <p:ext uri="{BB962C8B-B14F-4D97-AF65-F5344CB8AC3E}">
-        <p14:creationId xmlns:p14="http://schemas.microsoft.com/office/powerpoint/2010/main" val="63330428"/>
+        <p14:creationId xmlns:p14="http://schemas.microsoft.com/office/powerpoint/2010/main" val="1802027525"/>
       </p:ext>
     </p:extLst>
   </p:cSld>
@@ -9199,16 +9205,14 @@
           </a:xfrm>
         </p:spPr>
         <p:txBody>
-          <a:bodyPr>
-            <a:normAutofit/>
-          </a:bodyPr>
+          <a:bodyPr/>
           <a:lstStyle/>
           <a:p>
             <a:r>
               <a:rPr lang="en-CA" dirty="0" smtClean="0">
                 <a:latin typeface="+mn-lt"/>
               </a:rPr>
-              <a:t>Expressions</a:t>
+              <a:t>Sequences: Arrays</a:t>
             </a:r>
             <a:endParaRPr lang="en-CA" dirty="0">
               <a:latin typeface="+mn-lt"/>
@@ -9218,232 +9222,129 @@
       </p:sp>
       <p:sp>
         <p:nvSpPr>
-          <p:cNvPr id="4" name="AutoShape 2" descr="https://datahub.berkeley.edu/user/hubertluo/files/materials-sp19/materials/sp19/lab/lab02/statement.png"/>
+          <p:cNvPr id="3" name="Content Placeholder 2"/>
           <p:cNvSpPr>
-            <a:spLocks noChangeAspect="1" noChangeArrowheads="1"/>
+            <a:spLocks noGrp="1"/>
           </p:cNvSpPr>
-          <p:nvPr/>
-        </p:nvSpPr>
-        <p:spPr bwMode="auto">
-          <a:xfrm>
-            <a:off x="155575" y="-144463"/>
-            <a:ext cx="304800" cy="304801"/>
-          </a:xfrm>
-          <a:prstGeom prst="rect">
-            <a:avLst/>
-          </a:prstGeom>
-          <a:noFill/>
-          <a:extLst>
-            <a:ext uri="{909E8E84-426E-40DD-AFC4-6F175D3DCCD1}">
-              <a14:hiddenFill xmlns:a14="http://schemas.microsoft.com/office/drawing/2010/main">
-                <a:solidFill>
-                  <a:srgbClr val="FFFFFF"/>
-                </a:solidFill>
-              </a14:hiddenFill>
-            </a:ext>
-          </a:extLst>
-        </p:spPr>
-        <p:txBody>
-          <a:bodyPr vert="horz" wrap="square" lIns="91440" tIns="45720" rIns="91440" bIns="45720" numCol="1" anchor="t" anchorCtr="0" compatLnSpc="1">
-            <a:prstTxWarp prst="textNoShape">
-              <a:avLst/>
-            </a:prstTxWarp>
-          </a:bodyPr>
-          <a:lstStyle/>
-          <a:p>
-            <a:endParaRPr lang="en-CA"/>
-          </a:p>
-        </p:txBody>
-      </p:sp>
-      <p:sp>
-        <p:nvSpPr>
-          <p:cNvPr id="5" name="AutoShape 2" descr="https://datahub.berkeley.edu/user/hubertluo/files/materials-sp19/materials/sp19/lab/lab02/statement.png"/>
-          <p:cNvSpPr>
-            <a:spLocks noChangeAspect="1" noChangeArrowheads="1"/>
-          </p:cNvSpPr>
-          <p:nvPr/>
-        </p:nvSpPr>
-        <p:spPr bwMode="auto">
-          <a:xfrm>
-            <a:off x="307975" y="7937"/>
-            <a:ext cx="304800" cy="304801"/>
-          </a:xfrm>
-          <a:prstGeom prst="rect">
-            <a:avLst/>
-          </a:prstGeom>
-          <a:noFill/>
-          <a:extLst>
-            <a:ext uri="{909E8E84-426E-40DD-AFC4-6F175D3DCCD1}">
-              <a14:hiddenFill xmlns:a14="http://schemas.microsoft.com/office/drawing/2010/main">
-                <a:solidFill>
-                  <a:srgbClr val="FFFFFF"/>
-                </a:solidFill>
-              </a14:hiddenFill>
-            </a:ext>
-          </a:extLst>
-        </p:spPr>
-        <p:txBody>
-          <a:bodyPr vert="horz" wrap="square" lIns="91440" tIns="45720" rIns="91440" bIns="45720" numCol="1" anchor="t" anchorCtr="0" compatLnSpc="1">
-            <a:prstTxWarp prst="textNoShape">
-              <a:avLst/>
-            </a:prstTxWarp>
-          </a:bodyPr>
-          <a:lstStyle/>
-          <a:p>
-            <a:endParaRPr lang="en-CA"/>
-          </a:p>
-        </p:txBody>
-      </p:sp>
-      <p:pic>
-        <p:nvPicPr>
-          <p:cNvPr id="11" name="Content Placeholder 10"/>
-          <p:cNvPicPr>
-            <a:picLocks noGrp="1" noChangeAspect="1"/>
-          </p:cNvPicPr>
           <p:nvPr>
             <p:ph idx="1"/>
           </p:nvPr>
-        </p:nvPicPr>
-        <p:blipFill>
-          <a:blip r:embed="rId2">
-            <a:extLst>
-              <a:ext uri="{28A0092B-C50C-407E-A947-70E740481C1C}">
-                <a14:useLocalDpi xmlns:a14="http://schemas.microsoft.com/office/drawing/2010/main" val="0"/>
-              </a:ext>
-            </a:extLst>
-          </a:blip>
-          <a:stretch>
-            <a:fillRect/>
-          </a:stretch>
-        </p:blipFill>
+        </p:nvSpPr>
         <p:spPr>
           <a:xfrm>
-            <a:off x="360091" y="1989931"/>
-            <a:ext cx="8423819" cy="2878138"/>
-          </a:xfrm>
-        </p:spPr>
-      </p:pic>
-      <p:sp>
-        <p:nvSpPr>
-          <p:cNvPr id="7" name="AutoShape 4" descr="https://datahub.berkeley.edu/user/hubertluo/files/materials-sp19/materials/sp19/lab/lab02/statement.png"/>
-          <p:cNvSpPr>
-            <a:spLocks noChangeAspect="1" noChangeArrowheads="1"/>
-          </p:cNvSpPr>
-          <p:nvPr/>
-        </p:nvSpPr>
-        <p:spPr bwMode="auto">
-          <a:xfrm>
-            <a:off x="460375" y="160337"/>
-            <a:ext cx="304800" cy="304801"/>
-          </a:xfrm>
-          <a:prstGeom prst="rect">
-            <a:avLst/>
-          </a:prstGeom>
-          <a:noFill/>
-          <a:extLst>
-            <a:ext uri="{909E8E84-426E-40DD-AFC4-6F175D3DCCD1}">
-              <a14:hiddenFill xmlns:a14="http://schemas.microsoft.com/office/drawing/2010/main">
-                <a:solidFill>
-                  <a:srgbClr val="FFFFFF"/>
-                </a:solidFill>
-              </a14:hiddenFill>
-            </a:ext>
-          </a:extLst>
+            <a:off x="457200" y="1756947"/>
+            <a:ext cx="8286750" cy="3596103"/>
+          </a:xfrm>
         </p:spPr>
         <p:txBody>
-          <a:bodyPr vert="horz" wrap="square" lIns="91440" tIns="45720" rIns="91440" bIns="45720" numCol="1" anchor="t" anchorCtr="0" compatLnSpc="1">
-            <a:prstTxWarp prst="textNoShape">
-              <a:avLst/>
-            </a:prstTxWarp>
-          </a:bodyPr>
+          <a:bodyPr/>
           <a:lstStyle/>
           <a:p>
-            <a:endParaRPr lang="en-CA"/>
-          </a:p>
-        </p:txBody>
-      </p:sp>
-      <p:sp>
-        <p:nvSpPr>
-          <p:cNvPr id="8" name="AutoShape 6" descr="https://datahub.berkeley.edu/user/hubertluo/files/materials-sp19/materials/sp19/lab/lab02/statement.png"/>
-          <p:cNvSpPr>
-            <a:spLocks noChangeAspect="1" noChangeArrowheads="1"/>
-          </p:cNvSpPr>
-          <p:nvPr/>
-        </p:nvSpPr>
-        <p:spPr bwMode="auto">
-          <a:xfrm>
-            <a:off x="612775" y="312737"/>
-            <a:ext cx="304800" cy="304801"/>
-          </a:xfrm>
-          <a:prstGeom prst="rect">
-            <a:avLst/>
-          </a:prstGeom>
-          <a:noFill/>
-          <a:extLst>
-            <a:ext uri="{909E8E84-426E-40DD-AFC4-6F175D3DCCD1}">
-              <a14:hiddenFill xmlns:a14="http://schemas.microsoft.com/office/drawing/2010/main">
-                <a:solidFill>
-                  <a:srgbClr val="FFFFFF"/>
-                </a:solidFill>
-              </a14:hiddenFill>
-            </a:ext>
-          </a:extLst>
-        </p:spPr>
-        <p:txBody>
-          <a:bodyPr vert="horz" wrap="square" lIns="91440" tIns="45720" rIns="91440" bIns="45720" numCol="1" anchor="t" anchorCtr="0" compatLnSpc="1">
-            <a:prstTxWarp prst="textNoShape">
-              <a:avLst/>
-            </a:prstTxWarp>
-          </a:bodyPr>
-          <a:lstStyle/>
-          <a:p>
-            <a:endParaRPr lang="en-CA"/>
-          </a:p>
-        </p:txBody>
-      </p:sp>
-      <p:sp>
-        <p:nvSpPr>
-          <p:cNvPr id="9" name="AutoShape 8" descr="https://datahub.berkeley.edu/user/hubertluo/files/materials-sp19/materials/sp19/lab/lab02/statement.png"/>
-          <p:cNvSpPr>
-            <a:spLocks noChangeAspect="1" noChangeArrowheads="1"/>
-          </p:cNvSpPr>
-          <p:nvPr/>
-        </p:nvSpPr>
-        <p:spPr bwMode="auto">
-          <a:xfrm>
-            <a:off x="765175" y="465137"/>
-            <a:ext cx="304800" cy="304801"/>
-          </a:xfrm>
-          <a:prstGeom prst="rect">
-            <a:avLst/>
-          </a:prstGeom>
-          <a:noFill/>
-          <a:extLst>
-            <a:ext uri="{909E8E84-426E-40DD-AFC4-6F175D3DCCD1}">
-              <a14:hiddenFill xmlns:a14="http://schemas.microsoft.com/office/drawing/2010/main">
-                <a:solidFill>
-                  <a:srgbClr val="FFFFFF"/>
-                </a:solidFill>
-              </a14:hiddenFill>
-            </a:ext>
-          </a:extLst>
-        </p:spPr>
-        <p:txBody>
-          <a:bodyPr vert="horz" wrap="square" lIns="91440" tIns="45720" rIns="91440" bIns="45720" numCol="1" anchor="t" anchorCtr="0" compatLnSpc="1">
-            <a:prstTxWarp prst="textNoShape">
-              <a:avLst/>
-            </a:prstTxWarp>
-          </a:bodyPr>
-          <a:lstStyle/>
-          <a:p>
-            <a:endParaRPr lang="en-CA"/>
+            <a:r>
+              <a:rPr lang="en-CA" dirty="0" smtClean="0">
+                <a:latin typeface="+mn-lt"/>
+              </a:rPr>
+              <a:t>Array is sequence of values all of the same type</a:t>
+            </a:r>
+          </a:p>
+          <a:p>
+            <a:r>
+              <a:rPr lang="en-CA" dirty="0" smtClean="0">
+                <a:latin typeface="+mn-lt"/>
+              </a:rPr>
+              <a:t>To create an array, use the </a:t>
+            </a:r>
+            <a:r>
+              <a:rPr lang="en-CA" dirty="0" err="1" smtClean="0">
+                <a:latin typeface="+mn-lt"/>
+              </a:rPr>
+              <a:t>make_array</a:t>
+            </a:r>
+            <a:r>
+              <a:rPr lang="en-CA" dirty="0" smtClean="0">
+                <a:latin typeface="+mn-lt"/>
+              </a:rPr>
+              <a:t> function:</a:t>
+            </a:r>
+          </a:p>
+          <a:p>
+            <a:pPr lvl="1"/>
+            <a:r>
+              <a:rPr lang="en-CA" dirty="0" err="1" smtClean="0">
+                <a:latin typeface="+mn-lt"/>
+              </a:rPr>
+              <a:t>make_array</a:t>
+            </a:r>
+            <a:r>
+              <a:rPr lang="en-CA" dirty="0" smtClean="0">
+                <a:latin typeface="+mn-lt"/>
+              </a:rPr>
+              <a:t>(1,2,3) -&gt; [1,2,3]</a:t>
+            </a:r>
+          </a:p>
+          <a:p>
+            <a:r>
+              <a:rPr lang="en-CA" dirty="0" smtClean="0">
+                <a:latin typeface="+mn-lt"/>
+              </a:rPr>
+              <a:t>Functions on arrays:</a:t>
+            </a:r>
+          </a:p>
+          <a:p>
+            <a:pPr lvl="1"/>
+            <a:r>
+              <a:rPr lang="en-CA" dirty="0" smtClean="0">
+                <a:latin typeface="+mn-lt"/>
+              </a:rPr>
+              <a:t>sum</a:t>
+            </a:r>
+          </a:p>
+          <a:p>
+            <a:pPr lvl="1"/>
+            <a:r>
+              <a:rPr lang="en-CA" dirty="0" err="1" smtClean="0">
+                <a:latin typeface="+mn-lt"/>
+              </a:rPr>
+              <a:t>len</a:t>
+            </a:r>
+            <a:endParaRPr lang="en-CA" dirty="0" smtClean="0">
+              <a:latin typeface="+mn-lt"/>
+            </a:endParaRPr>
+          </a:p>
+          <a:p>
+            <a:pPr lvl="1"/>
+            <a:r>
+              <a:rPr lang="en-CA" dirty="0" smtClean="0">
+                <a:latin typeface="+mn-lt"/>
+              </a:rPr>
+              <a:t>max</a:t>
+            </a:r>
+          </a:p>
+          <a:p>
+            <a:pPr lvl="1"/>
+            <a:r>
+              <a:rPr lang="en-CA" dirty="0" smtClean="0">
+                <a:latin typeface="+mn-lt"/>
+              </a:rPr>
+              <a:t>min </a:t>
+            </a:r>
+          </a:p>
+          <a:p>
+            <a:endParaRPr lang="en-CA" dirty="0" smtClean="0">
+              <a:latin typeface="+mn-lt"/>
+            </a:endParaRPr>
+          </a:p>
+          <a:p>
+            <a:endParaRPr lang="en-CA" dirty="0">
+              <a:latin typeface="+mn-lt"/>
+            </a:endParaRPr>
           </a:p>
         </p:txBody>
       </p:sp>
     </p:spTree>
     <p:extLst>
       <p:ext uri="{BB962C8B-B14F-4D97-AF65-F5344CB8AC3E}">
-        <p14:creationId xmlns:p14="http://schemas.microsoft.com/office/powerpoint/2010/main" val="3320955923"/>
+        <p14:creationId xmlns:p14="http://schemas.microsoft.com/office/powerpoint/2010/main" val="2723381839"/>
       </p:ext>
     </p:extLst>
   </p:cSld>
@@ -9503,7 +9404,7 @@
               <a:rPr lang="en-CA" dirty="0" smtClean="0">
                 <a:latin typeface="+mn-lt"/>
               </a:rPr>
-              <a:t>Expressions: Demo</a:t>
+              <a:t>Arrays: Demo</a:t>
             </a:r>
             <a:endParaRPr lang="en-CA" dirty="0">
               <a:latin typeface="+mn-lt"/>
@@ -9576,7 +9477,7 @@
     </p:spTree>
     <p:extLst>
       <p:ext uri="{BB962C8B-B14F-4D97-AF65-F5344CB8AC3E}">
-        <p14:creationId xmlns:p14="http://schemas.microsoft.com/office/powerpoint/2010/main" val="183741778"/>
+        <p14:creationId xmlns:p14="http://schemas.microsoft.com/office/powerpoint/2010/main" val="2325930881"/>
       </p:ext>
     </p:extLst>
   </p:cSld>
@@ -9627,16 +9528,14 @@
           </a:xfrm>
         </p:spPr>
         <p:txBody>
-          <a:bodyPr>
-            <a:normAutofit/>
-          </a:bodyPr>
+          <a:bodyPr/>
           <a:lstStyle/>
           <a:p>
             <a:r>
               <a:rPr lang="en-CA" dirty="0" smtClean="0">
                 <a:latin typeface="+mn-lt"/>
               </a:rPr>
-              <a:t>Selected Table Operations</a:t>
+              <a:t>Sequences: Ranges</a:t>
             </a:r>
             <a:endParaRPr lang="en-CA" dirty="0">
               <a:latin typeface="+mn-lt"/>
@@ -9644,439 +9543,202 @@
           </a:p>
         </p:txBody>
       </p:sp>
-      <p:graphicFrame>
-        <p:nvGraphicFramePr>
-          <p:cNvPr id="5" name="Content Placeholder 4"/>
-          <p:cNvGraphicFramePr>
-            <a:graphicFrameLocks noGrp="1"/>
-          </p:cNvGraphicFramePr>
+      <p:sp>
+        <p:nvSpPr>
+          <p:cNvPr id="3" name="Content Placeholder 2"/>
+          <p:cNvSpPr>
+            <a:spLocks noGrp="1"/>
+          </p:cNvSpPr>
           <p:nvPr>
             <p:ph idx="1"/>
-            <p:extLst>
-              <p:ext uri="{D42A27DB-BD31-4B8C-83A1-F6EECF244321}">
-                <p14:modId xmlns:p14="http://schemas.microsoft.com/office/powerpoint/2010/main" val="443821911"/>
-              </p:ext>
-            </p:extLst>
           </p:nvPr>
-        </p:nvGraphicFramePr>
-        <p:xfrm>
-          <a:off x="539750" y="1419310"/>
-          <a:ext cx="7947025" cy="3942080"/>
-        </p:xfrm>
-        <a:graphic>
-          <a:graphicData uri="http://schemas.openxmlformats.org/drawingml/2006/table">
-            <a:tbl>
-              <a:tblPr firstRow="1" bandRow="1">
-                <a:tableStyleId>{5C22544A-7EE6-4342-B048-85BDC9FD1C3A}</a:tableStyleId>
-              </a:tblPr>
-              <a:tblGrid>
-                <a:gridCol w="1689100"/>
-                <a:gridCol w="4276725"/>
-                <a:gridCol w="1981200"/>
-              </a:tblGrid>
-              <a:tr h="370840">
-                <a:tc>
-                  <a:txBody>
-                    <a:bodyPr/>
-                    <a:lstStyle/>
-                    <a:p>
-                      <a:pPr algn="ctr" fontAlgn="ctr"/>
-                      <a:r>
-                        <a:rPr lang="en-CA" b="1" dirty="0">
-                          <a:effectLst/>
-                        </a:rPr>
-                        <a:t>Name</a:t>
-                      </a:r>
-                    </a:p>
-                  </a:txBody>
-                  <a:tcPr anchor="ctr"/>
-                </a:tc>
-                <a:tc>
-                  <a:txBody>
-                    <a:bodyPr/>
-                    <a:lstStyle/>
-                    <a:p>
-                      <a:pPr algn="ctr" fontAlgn="ctr"/>
-                      <a:r>
-                        <a:rPr lang="en-CA" b="1" dirty="0">
-                          <a:effectLst/>
-                        </a:rPr>
-                        <a:t>Purpose</a:t>
-                      </a:r>
-                    </a:p>
-                  </a:txBody>
-                  <a:tcPr anchor="ctr"/>
-                </a:tc>
-                <a:tc>
-                  <a:txBody>
-                    <a:bodyPr/>
-                    <a:lstStyle/>
-                    <a:p>
-                      <a:pPr algn="ctr" fontAlgn="ctr"/>
-                      <a:r>
-                        <a:rPr lang="en-CA" b="1" dirty="0">
-                          <a:effectLst/>
-                        </a:rPr>
-                        <a:t>Example</a:t>
-                      </a:r>
-                    </a:p>
-                  </a:txBody>
-                  <a:tcPr anchor="ctr"/>
-                </a:tc>
-              </a:tr>
-              <a:tr h="370840">
-                <a:tc>
-                  <a:txBody>
-                    <a:bodyPr/>
-                    <a:lstStyle/>
-                    <a:p>
-                      <a:pPr algn="ctr" fontAlgn="ctr"/>
-                      <a:r>
-                        <a:rPr lang="en-CA">
-                          <a:effectLst/>
-                        </a:rPr>
-                        <a:t>sort</a:t>
-                      </a:r>
-                    </a:p>
-                  </a:txBody>
-                  <a:tcPr anchor="ctr"/>
-                </a:tc>
-                <a:tc>
-                  <a:txBody>
-                    <a:bodyPr/>
-                    <a:lstStyle/>
-                    <a:p>
-                      <a:pPr algn="ctr" fontAlgn="ctr"/>
-                      <a:r>
-                        <a:rPr lang="en-CA" dirty="0">
-                          <a:effectLst/>
-                        </a:rPr>
-                        <a:t>Create a copy of a table sorted by the values in a column</a:t>
-                      </a:r>
-                    </a:p>
-                  </a:txBody>
-                  <a:tcPr anchor="ctr"/>
-                </a:tc>
-                <a:tc>
-                  <a:txBody>
-                    <a:bodyPr/>
-                    <a:lstStyle/>
-                    <a:p>
-                      <a:pPr algn="ctr" fontAlgn="ctr"/>
-                      <a:r>
-                        <a:rPr lang="en-CA" dirty="0" err="1">
-                          <a:effectLst/>
-                        </a:rPr>
-                        <a:t>tbl.sort</a:t>
-                      </a:r>
-                      <a:r>
-                        <a:rPr lang="en-CA" dirty="0">
-                          <a:effectLst/>
-                        </a:rPr>
-                        <a:t>("N")</a:t>
-                      </a:r>
-                    </a:p>
-                  </a:txBody>
-                  <a:tcPr anchor="ctr"/>
-                </a:tc>
-              </a:tr>
-              <a:tr h="370840">
-                <a:tc>
-                  <a:txBody>
-                    <a:bodyPr/>
-                    <a:lstStyle/>
-                    <a:p>
-                      <a:pPr algn="ctr" fontAlgn="ctr"/>
-                      <a:r>
-                        <a:rPr lang="en-CA" dirty="0">
-                          <a:effectLst/>
-                        </a:rPr>
-                        <a:t>where</a:t>
-                      </a:r>
-                    </a:p>
-                  </a:txBody>
-                  <a:tcPr anchor="ctr"/>
-                </a:tc>
-                <a:tc>
-                  <a:txBody>
-                    <a:bodyPr/>
-                    <a:lstStyle/>
-                    <a:p>
-                      <a:pPr algn="ctr" fontAlgn="ctr"/>
-                      <a:r>
-                        <a:rPr lang="en-CA" dirty="0">
-                          <a:effectLst/>
-                        </a:rPr>
-                        <a:t>Create a copy of a table with only the rows that match some </a:t>
-                      </a:r>
-                      <a:r>
-                        <a:rPr lang="en-CA" i="1" dirty="0">
-                          <a:effectLst/>
-                        </a:rPr>
-                        <a:t>predicate</a:t>
-                      </a:r>
-                      <a:endParaRPr lang="en-CA" dirty="0">
-                        <a:effectLst/>
-                      </a:endParaRPr>
-                    </a:p>
-                  </a:txBody>
-                  <a:tcPr anchor="ctr"/>
-                </a:tc>
-                <a:tc>
-                  <a:txBody>
-                    <a:bodyPr/>
-                    <a:lstStyle/>
-                    <a:p>
-                      <a:pPr algn="ctr" fontAlgn="ctr"/>
-                      <a:r>
-                        <a:rPr lang="en-CA" dirty="0" err="1">
-                          <a:effectLst/>
-                        </a:rPr>
-                        <a:t>tbl.where</a:t>
-                      </a:r>
-                      <a:r>
-                        <a:rPr lang="en-CA" dirty="0">
-                          <a:effectLst/>
-                        </a:rPr>
-                        <a:t>("N", </a:t>
-                      </a:r>
-                      <a:r>
-                        <a:rPr lang="en-CA" dirty="0" err="1">
-                          <a:effectLst/>
-                        </a:rPr>
-                        <a:t>are.above</a:t>
-                      </a:r>
-                      <a:r>
-                        <a:rPr lang="en-CA" dirty="0">
-                          <a:effectLst/>
-                        </a:rPr>
-                        <a:t>(2))</a:t>
-                      </a:r>
-                    </a:p>
-                  </a:txBody>
-                  <a:tcPr anchor="ctr"/>
-                </a:tc>
-              </a:tr>
-              <a:tr h="370840">
-                <a:tc>
-                  <a:txBody>
-                    <a:bodyPr/>
-                    <a:lstStyle/>
-                    <a:p>
-                      <a:pPr algn="ctr" fontAlgn="ctr"/>
-                      <a:r>
-                        <a:rPr lang="en-CA">
-                          <a:effectLst/>
-                        </a:rPr>
-                        <a:t>num_rows</a:t>
-                      </a:r>
-                    </a:p>
-                  </a:txBody>
-                  <a:tcPr anchor="ctr"/>
-                </a:tc>
-                <a:tc>
-                  <a:txBody>
-                    <a:bodyPr/>
-                    <a:lstStyle/>
-                    <a:p>
-                      <a:pPr algn="ctr" fontAlgn="ctr"/>
-                      <a:r>
-                        <a:rPr lang="en-CA" dirty="0">
-                          <a:effectLst/>
-                        </a:rPr>
-                        <a:t>Compute the number of rows in a table</a:t>
-                      </a:r>
-                    </a:p>
-                  </a:txBody>
-                  <a:tcPr anchor="ctr"/>
-                </a:tc>
-                <a:tc>
-                  <a:txBody>
-                    <a:bodyPr/>
-                    <a:lstStyle/>
-                    <a:p>
-                      <a:pPr algn="ctr" fontAlgn="ctr"/>
-                      <a:r>
-                        <a:rPr lang="en-CA">
-                          <a:effectLst/>
-                        </a:rPr>
-                        <a:t>tbl.num_rows</a:t>
-                      </a:r>
-                    </a:p>
-                  </a:txBody>
-                  <a:tcPr anchor="ctr"/>
-                </a:tc>
-              </a:tr>
-              <a:tr h="370840">
-                <a:tc>
-                  <a:txBody>
-                    <a:bodyPr/>
-                    <a:lstStyle/>
-                    <a:p>
-                      <a:pPr algn="ctr" fontAlgn="ctr"/>
-                      <a:r>
-                        <a:rPr lang="en-CA">
-                          <a:effectLst/>
-                        </a:rPr>
-                        <a:t>num_columns</a:t>
-                      </a:r>
-                    </a:p>
-                  </a:txBody>
-                  <a:tcPr anchor="ctr"/>
-                </a:tc>
-                <a:tc>
-                  <a:txBody>
-                    <a:bodyPr/>
-                    <a:lstStyle/>
-                    <a:p>
-                      <a:pPr algn="ctr" fontAlgn="ctr"/>
-                      <a:r>
-                        <a:rPr lang="en-CA" dirty="0">
-                          <a:effectLst/>
-                        </a:rPr>
-                        <a:t>Compute the number of columns in a table</a:t>
-                      </a:r>
-                    </a:p>
-                  </a:txBody>
-                  <a:tcPr anchor="ctr"/>
-                </a:tc>
-                <a:tc>
-                  <a:txBody>
-                    <a:bodyPr/>
-                    <a:lstStyle/>
-                    <a:p>
-                      <a:pPr algn="ctr" fontAlgn="ctr"/>
-                      <a:r>
-                        <a:rPr lang="en-CA">
-                          <a:effectLst/>
-                        </a:rPr>
-                        <a:t>tbl.num_columns</a:t>
-                      </a:r>
-                    </a:p>
-                  </a:txBody>
-                  <a:tcPr anchor="ctr"/>
-                </a:tc>
-              </a:tr>
-              <a:tr h="370840">
-                <a:tc>
-                  <a:txBody>
-                    <a:bodyPr/>
-                    <a:lstStyle/>
-                    <a:p>
-                      <a:pPr algn="ctr" fontAlgn="ctr"/>
-                      <a:r>
-                        <a:rPr lang="en-CA">
-                          <a:effectLst/>
-                        </a:rPr>
-                        <a:t>select</a:t>
-                      </a:r>
-                    </a:p>
-                  </a:txBody>
-                  <a:tcPr anchor="ctr"/>
-                </a:tc>
-                <a:tc>
-                  <a:txBody>
-                    <a:bodyPr/>
-                    <a:lstStyle/>
-                    <a:p>
-                      <a:pPr algn="ctr" fontAlgn="ctr"/>
-                      <a:r>
-                        <a:rPr lang="en-CA" dirty="0">
-                          <a:effectLst/>
-                        </a:rPr>
-                        <a:t>Create a copy of a table with only some of the columns</a:t>
-                      </a:r>
-                    </a:p>
-                  </a:txBody>
-                  <a:tcPr anchor="ctr"/>
-                </a:tc>
-                <a:tc>
-                  <a:txBody>
-                    <a:bodyPr/>
-                    <a:lstStyle/>
-                    <a:p>
-                      <a:pPr algn="ctr" fontAlgn="ctr"/>
-                      <a:r>
-                        <a:rPr lang="en-CA">
-                          <a:effectLst/>
-                        </a:rPr>
-                        <a:t>tbl.select("N")</a:t>
-                      </a:r>
-                    </a:p>
-                  </a:txBody>
-                  <a:tcPr anchor="ctr"/>
-                </a:tc>
-              </a:tr>
-              <a:tr h="370840">
-                <a:tc>
-                  <a:txBody>
-                    <a:bodyPr/>
-                    <a:lstStyle/>
-                    <a:p>
-                      <a:pPr algn="ctr" fontAlgn="ctr"/>
-                      <a:r>
-                        <a:rPr lang="en-CA">
-                          <a:effectLst/>
-                        </a:rPr>
-                        <a:t>drop</a:t>
-                      </a:r>
-                    </a:p>
-                  </a:txBody>
-                  <a:tcPr anchor="ctr"/>
-                </a:tc>
-                <a:tc>
-                  <a:txBody>
-                    <a:bodyPr/>
-                    <a:lstStyle/>
-                    <a:p>
-                      <a:pPr algn="ctr" fontAlgn="ctr"/>
-                      <a:r>
-                        <a:rPr lang="en-CA" dirty="0">
-                          <a:effectLst/>
-                        </a:rPr>
-                        <a:t>Create a copy of a table without some of the columns</a:t>
-                      </a:r>
-                    </a:p>
-                  </a:txBody>
-                  <a:tcPr anchor="ctr"/>
-                </a:tc>
-                <a:tc>
-                  <a:txBody>
-                    <a:bodyPr/>
-                    <a:lstStyle/>
-                    <a:p>
-                      <a:pPr algn="ctr" fontAlgn="ctr"/>
-                      <a:r>
-                        <a:rPr lang="en-CA" dirty="0" err="1">
-                          <a:effectLst/>
-                        </a:rPr>
-                        <a:t>tbl.drop</a:t>
-                      </a:r>
-                      <a:r>
-                        <a:rPr lang="en-CA" dirty="0" smtClean="0">
-                          <a:effectLst/>
-                        </a:rPr>
-                        <a:t>("N</a:t>
-                      </a:r>
-                      <a:r>
-                        <a:rPr lang="en-CA" dirty="0">
-                          <a:effectLst/>
-                        </a:rPr>
-                        <a:t>")</a:t>
-                      </a:r>
-                    </a:p>
-                  </a:txBody>
-                  <a:tcPr anchor="ctr"/>
-                </a:tc>
-              </a:tr>
-            </a:tbl>
-          </a:graphicData>
-        </a:graphic>
-      </p:graphicFrame>
+        </p:nvSpPr>
+        <p:spPr>
+          <a:xfrm>
+            <a:off x="457200" y="1756947"/>
+            <a:ext cx="8286750" cy="3596103"/>
+          </a:xfrm>
+        </p:spPr>
+        <p:txBody>
+          <a:bodyPr/>
+          <a:lstStyle/>
+          <a:p>
+            <a:r>
+              <a:rPr lang="en-CA" dirty="0" smtClean="0">
+                <a:latin typeface="+mn-lt"/>
+              </a:rPr>
+              <a:t>Range is an array of consecutive numbers</a:t>
+            </a:r>
+          </a:p>
+          <a:p>
+            <a:pPr fontAlgn="base"/>
+            <a:r>
+              <a:rPr lang="en-CA" b="1" dirty="0" err="1" smtClean="0">
+                <a:latin typeface="+mn-lt"/>
+              </a:rPr>
+              <a:t>np.arange</a:t>
+            </a:r>
+            <a:r>
+              <a:rPr lang="en-CA" b="1" dirty="0" smtClean="0">
+                <a:latin typeface="+mn-lt"/>
+              </a:rPr>
+              <a:t>(end)</a:t>
+            </a:r>
+            <a:endParaRPr lang="en-CA" dirty="0">
+              <a:latin typeface="+mn-lt"/>
+            </a:endParaRPr>
+          </a:p>
+          <a:p>
+            <a:pPr lvl="1" fontAlgn="base"/>
+            <a:r>
+              <a:rPr lang="en-CA" dirty="0" smtClean="0">
+                <a:latin typeface="+mn-lt"/>
+              </a:rPr>
+              <a:t>An </a:t>
+            </a:r>
+            <a:r>
+              <a:rPr lang="en-CA" dirty="0">
+                <a:latin typeface="+mn-lt"/>
+              </a:rPr>
+              <a:t>array of increasing integers from 0 up to </a:t>
+            </a:r>
+            <a:r>
+              <a:rPr lang="en-CA" b="1" dirty="0">
+                <a:latin typeface="+mn-lt"/>
+              </a:rPr>
+              <a:t>end</a:t>
+            </a:r>
+            <a:endParaRPr lang="en-CA" dirty="0">
+              <a:latin typeface="+mn-lt"/>
+            </a:endParaRPr>
+          </a:p>
+          <a:p>
+            <a:pPr fontAlgn="base"/>
+            <a:r>
+              <a:rPr lang="en-CA" b="1" dirty="0" err="1">
+                <a:latin typeface="+mn-lt"/>
+              </a:rPr>
+              <a:t>np.arange</a:t>
+            </a:r>
+            <a:r>
+              <a:rPr lang="en-CA" b="1" dirty="0">
+                <a:latin typeface="+mn-lt"/>
+              </a:rPr>
+              <a:t>(start, </a:t>
+            </a:r>
+            <a:r>
+              <a:rPr lang="en-CA" b="1" dirty="0" smtClean="0">
+                <a:latin typeface="+mn-lt"/>
+              </a:rPr>
+              <a:t>end)</a:t>
+            </a:r>
+            <a:endParaRPr lang="en-CA" dirty="0">
+              <a:latin typeface="+mn-lt"/>
+            </a:endParaRPr>
+          </a:p>
+          <a:p>
+            <a:pPr lvl="1" fontAlgn="base"/>
+            <a:r>
+              <a:rPr lang="en-CA" dirty="0" smtClean="0">
+                <a:latin typeface="+mn-lt"/>
+              </a:rPr>
+              <a:t>An </a:t>
+            </a:r>
+            <a:r>
+              <a:rPr lang="en-CA" dirty="0">
+                <a:latin typeface="+mn-lt"/>
+              </a:rPr>
+              <a:t>array of increasing integers from </a:t>
+            </a:r>
+            <a:r>
+              <a:rPr lang="en-CA" b="1" dirty="0">
+                <a:latin typeface="+mn-lt"/>
+              </a:rPr>
+              <a:t>start</a:t>
+            </a:r>
+            <a:r>
+              <a:rPr lang="en-CA" dirty="0">
+                <a:latin typeface="+mn-lt"/>
+              </a:rPr>
+              <a:t> up to </a:t>
+            </a:r>
+            <a:r>
+              <a:rPr lang="en-CA" b="1" dirty="0">
+                <a:latin typeface="+mn-lt"/>
+              </a:rPr>
+              <a:t>end</a:t>
+            </a:r>
+            <a:endParaRPr lang="en-CA" dirty="0">
+              <a:latin typeface="+mn-lt"/>
+            </a:endParaRPr>
+          </a:p>
+          <a:p>
+            <a:r>
+              <a:rPr lang="en-CA" b="1" dirty="0" err="1">
+                <a:latin typeface="+mn-lt"/>
+              </a:rPr>
+              <a:t>np.arange</a:t>
+            </a:r>
+            <a:r>
+              <a:rPr lang="en-CA" b="1" dirty="0">
+                <a:latin typeface="+mn-lt"/>
+              </a:rPr>
+              <a:t>(start, end, </a:t>
+            </a:r>
+            <a:r>
+              <a:rPr lang="en-CA" b="1" dirty="0" smtClean="0">
+                <a:latin typeface="+mn-lt"/>
+              </a:rPr>
+              <a:t>step)</a:t>
+            </a:r>
+          </a:p>
+          <a:p>
+            <a:pPr lvl="1"/>
+            <a:r>
+              <a:rPr lang="en-CA" dirty="0" smtClean="0">
+                <a:latin typeface="+mn-lt"/>
+              </a:rPr>
+              <a:t>A </a:t>
+            </a:r>
+            <a:r>
+              <a:rPr lang="en-CA" dirty="0">
+                <a:latin typeface="+mn-lt"/>
+              </a:rPr>
+              <a:t>range with </a:t>
+            </a:r>
+            <a:r>
+              <a:rPr lang="en-CA" b="1" dirty="0">
+                <a:latin typeface="+mn-lt"/>
+              </a:rPr>
+              <a:t>step</a:t>
+            </a:r>
+            <a:r>
+              <a:rPr lang="en-CA" dirty="0">
+                <a:latin typeface="+mn-lt"/>
+              </a:rPr>
+              <a:t> between consecutive </a:t>
+            </a:r>
+            <a:r>
+              <a:rPr lang="en-CA" dirty="0" smtClean="0">
+                <a:latin typeface="+mn-lt"/>
+              </a:rPr>
+              <a:t>values</a:t>
+            </a:r>
+            <a:endParaRPr lang="en-CA" dirty="0">
+              <a:latin typeface="+mn-lt"/>
+            </a:endParaRPr>
+          </a:p>
+          <a:p>
+            <a:endParaRPr lang="en-CA" dirty="0" smtClean="0">
+              <a:latin typeface="+mn-lt"/>
+            </a:endParaRPr>
+          </a:p>
+        </p:txBody>
+      </p:sp>
     </p:spTree>
     <p:extLst>
       <p:ext uri="{BB962C8B-B14F-4D97-AF65-F5344CB8AC3E}">
-        <p14:creationId xmlns:p14="http://schemas.microsoft.com/office/powerpoint/2010/main" val="3115458189"/>
+        <p14:creationId xmlns:p14="http://schemas.microsoft.com/office/powerpoint/2010/main" val="3210061558"/>
       </p:ext>
     </p:extLst>
   </p:cSld>
@@ -10136,13 +9798,7 @@
               <a:rPr lang="en-CA" dirty="0" smtClean="0">
                 <a:latin typeface="+mn-lt"/>
               </a:rPr>
-              <a:t>Selected </a:t>
-            </a:r>
-            <a:r>
-              <a:rPr lang="en-CA" dirty="0" smtClean="0">
-                <a:latin typeface="+mn-lt"/>
-              </a:rPr>
-              <a:t>Where Predicates</a:t>
+              <a:t>Ranges: Demo</a:t>
             </a:r>
             <a:endParaRPr lang="en-CA" dirty="0">
               <a:latin typeface="+mn-lt"/>
@@ -10150,488 +9806,72 @@
           </a:p>
         </p:txBody>
       </p:sp>
-      <p:graphicFrame>
-        <p:nvGraphicFramePr>
-          <p:cNvPr id="5" name="Content Placeholder 4"/>
-          <p:cNvGraphicFramePr>
-            <a:graphicFrameLocks noGrp="1"/>
-          </p:cNvGraphicFramePr>
+      <p:sp>
+        <p:nvSpPr>
+          <p:cNvPr id="4" name="AutoShape 2" descr="https://datahub.berkeley.edu/user/hubertluo/files/materials-sp19/materials/sp19/lab/lab02/statement.png"/>
+          <p:cNvSpPr>
+            <a:spLocks noChangeAspect="1" noChangeArrowheads="1"/>
+          </p:cNvSpPr>
+          <p:nvPr/>
+        </p:nvSpPr>
+        <p:spPr bwMode="auto">
+          <a:xfrm>
+            <a:off x="155575" y="-144463"/>
+            <a:ext cx="304800" cy="304801"/>
+          </a:xfrm>
+          <a:prstGeom prst="rect">
+            <a:avLst/>
+          </a:prstGeom>
+          <a:noFill/>
+          <a:extLst>
+            <a:ext uri="{909E8E84-426E-40DD-AFC4-6F175D3DCCD1}">
+              <a14:hiddenFill xmlns:a14="http://schemas.microsoft.com/office/drawing/2010/main">
+                <a:solidFill>
+                  <a:srgbClr val="FFFFFF"/>
+                </a:solidFill>
+              </a14:hiddenFill>
+            </a:ext>
+          </a:extLst>
+        </p:spPr>
+        <p:txBody>
+          <a:bodyPr vert="horz" wrap="square" lIns="91440" tIns="45720" rIns="91440" bIns="45720" numCol="1" anchor="t" anchorCtr="0" compatLnSpc="1">
+            <a:prstTxWarp prst="textNoShape">
+              <a:avLst/>
+            </a:prstTxWarp>
+          </a:bodyPr>
+          <a:lstStyle/>
+          <a:p>
+            <a:endParaRPr lang="en-CA"/>
+          </a:p>
+        </p:txBody>
+      </p:sp>
+      <p:sp>
+        <p:nvSpPr>
+          <p:cNvPr id="3" name="Content Placeholder 2"/>
+          <p:cNvSpPr>
+            <a:spLocks noGrp="1"/>
+          </p:cNvSpPr>
           <p:nvPr>
             <p:ph idx="1"/>
-            <p:extLst>
-              <p:ext uri="{D42A27DB-BD31-4B8C-83A1-F6EECF244321}">
-                <p14:modId xmlns:p14="http://schemas.microsoft.com/office/powerpoint/2010/main" val="780188784"/>
-              </p:ext>
-            </p:extLst>
           </p:nvPr>
-        </p:nvGraphicFramePr>
-        <p:xfrm>
-          <a:off x="539750" y="1419310"/>
-          <a:ext cx="7947025" cy="4257040"/>
-        </p:xfrm>
-        <a:graphic>
-          <a:graphicData uri="http://schemas.openxmlformats.org/drawingml/2006/table">
-            <a:tbl>
-              <a:tblPr firstRow="1" bandRow="1">
-                <a:tableStyleId>{5C22544A-7EE6-4342-B048-85BDC9FD1C3A}</a:tableStyleId>
-              </a:tblPr>
-              <a:tblGrid>
-                <a:gridCol w="2555875"/>
-                <a:gridCol w="2552700"/>
-                <a:gridCol w="2838450"/>
-              </a:tblGrid>
-              <a:tr h="370840">
-                <a:tc>
-                  <a:txBody>
-                    <a:bodyPr/>
-                    <a:lstStyle/>
-                    <a:p>
-                      <a:pPr algn="ctr" fontAlgn="ctr"/>
-                      <a:r>
-                        <a:rPr lang="en-CA" sz="1800" b="1" i="0" u="none" strike="noStrike" dirty="0">
-                          <a:solidFill>
-                            <a:schemeClr val="bg1"/>
-                          </a:solidFill>
-                          <a:effectLst/>
-                          <a:latin typeface="+mn-lt"/>
-                        </a:rPr>
-                        <a:t>Predicate</a:t>
-                      </a:r>
-                    </a:p>
-                  </a:txBody>
-                  <a:tcPr marL="7620" marR="7620" marT="7620" marB="0" anchor="ctr"/>
-                </a:tc>
-                <a:tc>
-                  <a:txBody>
-                    <a:bodyPr/>
-                    <a:lstStyle/>
-                    <a:p>
-                      <a:pPr algn="ctr" fontAlgn="ctr"/>
-                      <a:r>
-                        <a:rPr lang="en-CA" sz="1800" b="1" i="0" u="none" strike="noStrike">
-                          <a:solidFill>
-                            <a:schemeClr val="bg1"/>
-                          </a:solidFill>
-                          <a:effectLst/>
-                          <a:latin typeface="+mn-lt"/>
-                        </a:rPr>
-                        <a:t>Result</a:t>
-                      </a:r>
-                    </a:p>
-                  </a:txBody>
-                  <a:tcPr marL="7620" marR="7620" marT="7620" marB="0" anchor="ctr"/>
-                </a:tc>
-                <a:tc>
-                  <a:txBody>
-                    <a:bodyPr/>
-                    <a:lstStyle/>
-                    <a:p>
-                      <a:pPr algn="ctr" fontAlgn="ctr"/>
-                      <a:r>
-                        <a:rPr lang="en-CA" sz="1800" b="1" i="0" u="none" strike="noStrike" dirty="0">
-                          <a:solidFill>
-                            <a:schemeClr val="bg1"/>
-                          </a:solidFill>
-                          <a:effectLst/>
-                          <a:latin typeface="+mn-lt"/>
-                        </a:rPr>
-                        <a:t>Example</a:t>
-                      </a:r>
-                    </a:p>
-                  </a:txBody>
-                  <a:tcPr marL="7620" marR="7620" marT="7620" marB="0" anchor="ctr"/>
-                </a:tc>
-              </a:tr>
-              <a:tr h="370840">
-                <a:tc>
-                  <a:txBody>
-                    <a:bodyPr/>
-                    <a:lstStyle/>
-                    <a:p>
-                      <a:pPr algn="ctr" fontAlgn="ctr"/>
-                      <a:r>
-                        <a:rPr lang="en-CA" sz="1800" b="0" i="0" u="none" strike="noStrike">
-                          <a:solidFill>
-                            <a:srgbClr val="000000"/>
-                          </a:solidFill>
-                          <a:effectLst/>
-                          <a:latin typeface="+mn-lt"/>
-                        </a:rPr>
-                        <a:t>are.equal_to</a:t>
-                      </a:r>
-                    </a:p>
-                  </a:txBody>
-                  <a:tcPr marL="7620" marR="7620" marT="7620" marB="0" anchor="ctr"/>
-                </a:tc>
-                <a:tc>
-                  <a:txBody>
-                    <a:bodyPr/>
-                    <a:lstStyle/>
-                    <a:p>
-                      <a:pPr algn="ctr" fontAlgn="ctr"/>
-                      <a:r>
-                        <a:rPr lang="en-CA" sz="1800" b="0" i="0" u="none" strike="noStrike">
-                          <a:solidFill>
-                            <a:srgbClr val="000000"/>
-                          </a:solidFill>
-                          <a:effectLst/>
-                          <a:latin typeface="+mn-lt"/>
-                        </a:rPr>
-                        <a:t>Find rows with values equal to 50</a:t>
-                      </a:r>
-                    </a:p>
-                  </a:txBody>
-                  <a:tcPr marL="7620" marR="7620" marT="7620" marB="0" anchor="ctr"/>
-                </a:tc>
-                <a:tc>
-                  <a:txBody>
-                    <a:bodyPr/>
-                    <a:lstStyle/>
-                    <a:p>
-                      <a:pPr algn="ctr" fontAlgn="ctr"/>
-                      <a:r>
-                        <a:rPr lang="en-CA" sz="1800" b="0" i="0" u="none" strike="noStrike">
-                          <a:solidFill>
-                            <a:srgbClr val="000000"/>
-                          </a:solidFill>
-                          <a:effectLst/>
-                          <a:latin typeface="+mn-lt"/>
-                        </a:rPr>
-                        <a:t>are.equal_to(50)</a:t>
-                      </a:r>
-                    </a:p>
-                  </a:txBody>
-                  <a:tcPr marL="7620" marR="7620" marT="7620" marB="0" anchor="ctr"/>
-                </a:tc>
-              </a:tr>
-              <a:tr h="370840">
-                <a:tc>
-                  <a:txBody>
-                    <a:bodyPr/>
-                    <a:lstStyle/>
-                    <a:p>
-                      <a:pPr algn="ctr" fontAlgn="ctr"/>
-                      <a:r>
-                        <a:rPr lang="en-CA" sz="1800" b="0" i="0" u="none" strike="noStrike">
-                          <a:solidFill>
-                            <a:srgbClr val="000000"/>
-                          </a:solidFill>
-                          <a:effectLst/>
-                          <a:latin typeface="+mn-lt"/>
-                        </a:rPr>
-                        <a:t>are.not_equal_to</a:t>
-                      </a:r>
-                    </a:p>
-                  </a:txBody>
-                  <a:tcPr marL="7620" marR="7620" marT="7620" marB="0" anchor="ctr"/>
-                </a:tc>
-                <a:tc>
-                  <a:txBody>
-                    <a:bodyPr/>
-                    <a:lstStyle/>
-                    <a:p>
-                      <a:pPr algn="ctr" fontAlgn="ctr"/>
-                      <a:r>
-                        <a:rPr lang="en-CA" sz="1800" b="0" i="0" u="none" strike="noStrike" dirty="0">
-                          <a:solidFill>
-                            <a:srgbClr val="000000"/>
-                          </a:solidFill>
-                          <a:effectLst/>
-                          <a:latin typeface="+mn-lt"/>
-                        </a:rPr>
-                        <a:t>Find rows with values not equal to 50</a:t>
-                      </a:r>
-                    </a:p>
-                  </a:txBody>
-                  <a:tcPr marL="7620" marR="7620" marT="7620" marB="0" anchor="ctr"/>
-                </a:tc>
-                <a:tc>
-                  <a:txBody>
-                    <a:bodyPr/>
-                    <a:lstStyle/>
-                    <a:p>
-                      <a:pPr algn="ctr" fontAlgn="ctr"/>
-                      <a:r>
-                        <a:rPr lang="en-CA" sz="1800" b="0" i="0" u="none" strike="noStrike">
-                          <a:solidFill>
-                            <a:srgbClr val="000000"/>
-                          </a:solidFill>
-                          <a:effectLst/>
-                          <a:latin typeface="+mn-lt"/>
-                        </a:rPr>
-                        <a:t>are.not_equal_to(50)</a:t>
-                      </a:r>
-                    </a:p>
-                  </a:txBody>
-                  <a:tcPr marL="7620" marR="7620" marT="7620" marB="0" anchor="ctr"/>
-                </a:tc>
-              </a:tr>
-              <a:tr h="370840">
-                <a:tc>
-                  <a:txBody>
-                    <a:bodyPr/>
-                    <a:lstStyle/>
-                    <a:p>
-                      <a:pPr algn="ctr" fontAlgn="ctr"/>
-                      <a:r>
-                        <a:rPr lang="en-CA" sz="1800" b="0" i="0" u="none" strike="noStrike">
-                          <a:solidFill>
-                            <a:srgbClr val="000000"/>
-                          </a:solidFill>
-                          <a:effectLst/>
-                          <a:latin typeface="+mn-lt"/>
-                        </a:rPr>
-                        <a:t>are.above</a:t>
-                      </a:r>
-                    </a:p>
-                  </a:txBody>
-                  <a:tcPr marL="7620" marR="7620" marT="7620" marB="0" anchor="ctr"/>
-                </a:tc>
-                <a:tc>
-                  <a:txBody>
-                    <a:bodyPr/>
-                    <a:lstStyle/>
-                    <a:p>
-                      <a:pPr algn="ctr" fontAlgn="ctr"/>
-                      <a:r>
-                        <a:rPr lang="en-CA" sz="1800" b="0" i="0" u="none" strike="noStrike">
-                          <a:solidFill>
-                            <a:srgbClr val="000000"/>
-                          </a:solidFill>
-                          <a:effectLst/>
-                          <a:latin typeface="+mn-lt"/>
-                        </a:rPr>
-                        <a:t>Find rows with values above (and not equal to) 50</a:t>
-                      </a:r>
-                    </a:p>
-                  </a:txBody>
-                  <a:tcPr marL="7620" marR="7620" marT="7620" marB="0" anchor="ctr"/>
-                </a:tc>
-                <a:tc>
-                  <a:txBody>
-                    <a:bodyPr/>
-                    <a:lstStyle/>
-                    <a:p>
-                      <a:pPr algn="ctr" fontAlgn="ctr"/>
-                      <a:r>
-                        <a:rPr lang="en-CA" sz="1800" b="0" i="0" u="none" strike="noStrike">
-                          <a:solidFill>
-                            <a:srgbClr val="000000"/>
-                          </a:solidFill>
-                          <a:effectLst/>
-                          <a:latin typeface="+mn-lt"/>
-                        </a:rPr>
-                        <a:t>are.above(50)</a:t>
-                      </a:r>
-                    </a:p>
-                  </a:txBody>
-                  <a:tcPr marL="7620" marR="7620" marT="7620" marB="0" anchor="ctr"/>
-                </a:tc>
-              </a:tr>
-              <a:tr h="370840">
-                <a:tc>
-                  <a:txBody>
-                    <a:bodyPr/>
-                    <a:lstStyle/>
-                    <a:p>
-                      <a:pPr algn="ctr" fontAlgn="ctr"/>
-                      <a:r>
-                        <a:rPr lang="en-CA" sz="1800" b="0" i="0" u="none" strike="noStrike">
-                          <a:solidFill>
-                            <a:srgbClr val="000000"/>
-                          </a:solidFill>
-                          <a:effectLst/>
-                          <a:latin typeface="+mn-lt"/>
-                        </a:rPr>
-                        <a:t>are.above_or_equal_to</a:t>
-                      </a:r>
-                    </a:p>
-                  </a:txBody>
-                  <a:tcPr marL="7620" marR="7620" marT="7620" marB="0" anchor="ctr"/>
-                </a:tc>
-                <a:tc>
-                  <a:txBody>
-                    <a:bodyPr/>
-                    <a:lstStyle/>
-                    <a:p>
-                      <a:pPr algn="ctr" fontAlgn="ctr"/>
-                      <a:r>
-                        <a:rPr lang="en-CA" sz="1800" b="0" i="0" u="none" strike="noStrike">
-                          <a:solidFill>
-                            <a:srgbClr val="000000"/>
-                          </a:solidFill>
-                          <a:effectLst/>
-                          <a:latin typeface="+mn-lt"/>
-                        </a:rPr>
-                        <a:t>Find rows with values above 50 or equal to 50</a:t>
-                      </a:r>
-                    </a:p>
-                  </a:txBody>
-                  <a:tcPr marL="7620" marR="7620" marT="7620" marB="0" anchor="ctr"/>
-                </a:tc>
-                <a:tc>
-                  <a:txBody>
-                    <a:bodyPr/>
-                    <a:lstStyle/>
-                    <a:p>
-                      <a:pPr algn="ctr" fontAlgn="ctr"/>
-                      <a:r>
-                        <a:rPr lang="en-CA" sz="1800" b="0" i="0" u="none" strike="noStrike">
-                          <a:solidFill>
-                            <a:srgbClr val="000000"/>
-                          </a:solidFill>
-                          <a:effectLst/>
-                          <a:latin typeface="+mn-lt"/>
-                        </a:rPr>
-                        <a:t>are.above_or_equal_to(50)</a:t>
-                      </a:r>
-                    </a:p>
-                  </a:txBody>
-                  <a:tcPr marL="7620" marR="7620" marT="7620" marB="0" anchor="ctr"/>
-                </a:tc>
-              </a:tr>
-              <a:tr h="370840">
-                <a:tc>
-                  <a:txBody>
-                    <a:bodyPr/>
-                    <a:lstStyle/>
-                    <a:p>
-                      <a:pPr algn="ctr" fontAlgn="ctr"/>
-                      <a:r>
-                        <a:rPr lang="en-CA" sz="1800" b="0" i="0" u="none" strike="noStrike">
-                          <a:solidFill>
-                            <a:srgbClr val="000000"/>
-                          </a:solidFill>
-                          <a:effectLst/>
-                          <a:latin typeface="+mn-lt"/>
-                        </a:rPr>
-                        <a:t>are.below</a:t>
-                      </a:r>
-                    </a:p>
-                  </a:txBody>
-                  <a:tcPr marL="7620" marR="7620" marT="7620" marB="0" anchor="ctr"/>
-                </a:tc>
-                <a:tc>
-                  <a:txBody>
-                    <a:bodyPr/>
-                    <a:lstStyle/>
-                    <a:p>
-                      <a:pPr algn="ctr" fontAlgn="ctr"/>
-                      <a:r>
-                        <a:rPr lang="en-CA" sz="1800" b="0" i="0" u="none" strike="noStrike">
-                          <a:solidFill>
-                            <a:srgbClr val="000000"/>
-                          </a:solidFill>
-                          <a:effectLst/>
-                          <a:latin typeface="+mn-lt"/>
-                        </a:rPr>
-                        <a:t>Find rows with values below 50</a:t>
-                      </a:r>
-                    </a:p>
-                  </a:txBody>
-                  <a:tcPr marL="7620" marR="7620" marT="7620" marB="0" anchor="ctr"/>
-                </a:tc>
-                <a:tc>
-                  <a:txBody>
-                    <a:bodyPr/>
-                    <a:lstStyle/>
-                    <a:p>
-                      <a:pPr algn="ctr" fontAlgn="ctr"/>
-                      <a:r>
-                        <a:rPr lang="en-CA" sz="1800" b="0" i="0" u="none" strike="noStrike">
-                          <a:solidFill>
-                            <a:srgbClr val="000000"/>
-                          </a:solidFill>
-                          <a:effectLst/>
-                          <a:latin typeface="+mn-lt"/>
-                        </a:rPr>
-                        <a:t>are.below(50)</a:t>
-                      </a:r>
-                    </a:p>
-                  </a:txBody>
-                  <a:tcPr marL="7620" marR="7620" marT="7620" marB="0" anchor="ctr"/>
-                </a:tc>
-              </a:tr>
-              <a:tr h="370840">
-                <a:tc>
-                  <a:txBody>
-                    <a:bodyPr/>
-                    <a:lstStyle/>
-                    <a:p>
-                      <a:pPr algn="ctr" fontAlgn="ctr"/>
-                      <a:r>
-                        <a:rPr lang="en-CA" sz="1800" b="0" i="0" u="none" strike="noStrike">
-                          <a:solidFill>
-                            <a:srgbClr val="000000"/>
-                          </a:solidFill>
-                          <a:effectLst/>
-                          <a:latin typeface="+mn-lt"/>
-                        </a:rPr>
-                        <a:t>are.between</a:t>
-                      </a:r>
-                    </a:p>
-                  </a:txBody>
-                  <a:tcPr marL="7620" marR="7620" marT="7620" marB="0" anchor="ctr"/>
-                </a:tc>
-                <a:tc>
-                  <a:txBody>
-                    <a:bodyPr/>
-                    <a:lstStyle/>
-                    <a:p>
-                      <a:pPr algn="ctr" fontAlgn="ctr"/>
-                      <a:r>
-                        <a:rPr lang="en-CA" sz="1800" b="0" i="0" u="none" strike="noStrike">
-                          <a:solidFill>
-                            <a:srgbClr val="000000"/>
-                          </a:solidFill>
-                          <a:effectLst/>
-                          <a:latin typeface="+mn-lt"/>
-                        </a:rPr>
-                        <a:t>Find rows with values above or equal to 2 and below 10</a:t>
-                      </a:r>
-                    </a:p>
-                  </a:txBody>
-                  <a:tcPr marL="7620" marR="7620" marT="7620" marB="0" anchor="ctr"/>
-                </a:tc>
-                <a:tc>
-                  <a:txBody>
-                    <a:bodyPr/>
-                    <a:lstStyle/>
-                    <a:p>
-                      <a:pPr algn="ctr" fontAlgn="ctr"/>
-                      <a:r>
-                        <a:rPr lang="en-CA" sz="1800" b="0" i="0" u="none" strike="noStrike" dirty="0" err="1">
-                          <a:solidFill>
-                            <a:srgbClr val="000000"/>
-                          </a:solidFill>
-                          <a:effectLst/>
-                          <a:latin typeface="+mn-lt"/>
-                        </a:rPr>
-                        <a:t>are.between</a:t>
-                      </a:r>
-                      <a:r>
-                        <a:rPr lang="en-CA" sz="1800" b="0" i="0" u="none" strike="noStrike" dirty="0">
-                          <a:solidFill>
-                            <a:srgbClr val="000000"/>
-                          </a:solidFill>
-                          <a:effectLst/>
-                          <a:latin typeface="+mn-lt"/>
-                        </a:rPr>
-                        <a:t>(2, 10)</a:t>
-                      </a:r>
-                    </a:p>
-                  </a:txBody>
-                  <a:tcPr marL="7620" marR="7620" marT="7620" marB="0" anchor="ctr"/>
-                </a:tc>
-              </a:tr>
-            </a:tbl>
-          </a:graphicData>
-        </a:graphic>
-      </p:graphicFrame>
+        </p:nvSpPr>
+        <p:spPr/>
+        <p:txBody>
+          <a:bodyPr/>
+          <a:lstStyle/>
+          <a:p>
+            <a:r>
+              <a:rPr lang="en-CA" dirty="0" smtClean="0"/>
+              <a:t>(Demo on Notebook)</a:t>
+            </a:r>
+            <a:endParaRPr lang="en-CA" dirty="0"/>
+          </a:p>
+        </p:txBody>
+      </p:sp>
     </p:spTree>
     <p:extLst>
       <p:ext uri="{BB962C8B-B14F-4D97-AF65-F5344CB8AC3E}">
-        <p14:creationId xmlns:p14="http://schemas.microsoft.com/office/powerpoint/2010/main" val="4158308508"/>
+        <p14:creationId xmlns:p14="http://schemas.microsoft.com/office/powerpoint/2010/main" val="2496421031"/>
       </p:ext>
     </p:extLst>
   </p:cSld>
@@ -10682,65 +9922,18 @@
           </a:xfrm>
         </p:spPr>
         <p:txBody>
-          <a:bodyPr>
-            <a:normAutofit/>
-          </a:bodyPr>
+          <a:bodyPr/>
           <a:lstStyle/>
           <a:p>
             <a:r>
               <a:rPr lang="en-CA" dirty="0" smtClean="0">
                 <a:latin typeface="+mn-lt"/>
               </a:rPr>
-              <a:t>Tables: </a:t>
-            </a:r>
-            <a:r>
-              <a:rPr lang="en-CA" dirty="0" smtClean="0">
-                <a:latin typeface="+mn-lt"/>
-              </a:rPr>
-              <a:t>Demo</a:t>
+              <a:t>Creating Tables</a:t>
             </a:r>
             <a:endParaRPr lang="en-CA" dirty="0">
               <a:latin typeface="+mn-lt"/>
             </a:endParaRPr>
-          </a:p>
-        </p:txBody>
-      </p:sp>
-      <p:sp>
-        <p:nvSpPr>
-          <p:cNvPr id="4" name="AutoShape 2" descr="https://datahub.berkeley.edu/user/hubertluo/files/materials-sp19/materials/sp19/lab/lab02/statement.png"/>
-          <p:cNvSpPr>
-            <a:spLocks noChangeAspect="1" noChangeArrowheads="1"/>
-          </p:cNvSpPr>
-          <p:nvPr/>
-        </p:nvSpPr>
-        <p:spPr bwMode="auto">
-          <a:xfrm>
-            <a:off x="155575" y="-144463"/>
-            <a:ext cx="304800" cy="304801"/>
-          </a:xfrm>
-          <a:prstGeom prst="rect">
-            <a:avLst/>
-          </a:prstGeom>
-          <a:noFill/>
-          <a:extLst>
-            <a:ext uri="{909E8E84-426E-40DD-AFC4-6F175D3DCCD1}">
-              <a14:hiddenFill xmlns:a14="http://schemas.microsoft.com/office/drawing/2010/main">
-                <a:solidFill>
-                  <a:srgbClr val="FFFFFF"/>
-                </a:solidFill>
-              </a14:hiddenFill>
-            </a:ext>
-          </a:extLst>
-        </p:spPr>
-        <p:txBody>
-          <a:bodyPr vert="horz" wrap="square" lIns="91440" tIns="45720" rIns="91440" bIns="45720" numCol="1" anchor="t" anchorCtr="0" compatLnSpc="1">
-            <a:prstTxWarp prst="textNoShape">
-              <a:avLst/>
-            </a:prstTxWarp>
-          </a:bodyPr>
-          <a:lstStyle/>
-          <a:p>
-            <a:endParaRPr lang="en-CA"/>
           </a:p>
         </p:txBody>
       </p:sp>
@@ -10754,23 +9947,140 @@
             <p:ph idx="1"/>
           </p:nvPr>
         </p:nvSpPr>
-        <p:spPr/>
+        <p:spPr>
+          <a:xfrm>
+            <a:off x="457200" y="1756947"/>
+            <a:ext cx="8286750" cy="3596103"/>
+          </a:xfrm>
+        </p:spPr>
         <p:txBody>
           <a:bodyPr/>
           <a:lstStyle/>
           <a:p>
             <a:r>
-              <a:rPr lang="en-CA" dirty="0" smtClean="0"/>
-              <a:t>(Demo on Notebook)</a:t>
-            </a:r>
-            <a:endParaRPr lang="en-CA" dirty="0"/>
+              <a:rPr lang="en-CA" dirty="0" smtClean="0">
+                <a:latin typeface="+mn-lt"/>
+              </a:rPr>
+              <a:t>Each column in a table is an array of the same length!</a:t>
+            </a:r>
+          </a:p>
+          <a:p>
+            <a:r>
+              <a:rPr lang="en-CA" dirty="0" smtClean="0">
+                <a:latin typeface="+mn-lt"/>
+              </a:rPr>
+              <a:t>Two ways to create a table:</a:t>
+            </a:r>
+          </a:p>
+          <a:p>
+            <a:pPr lvl="1"/>
+            <a:r>
+              <a:rPr lang="en-CA" dirty="0" smtClean="0">
+                <a:latin typeface="+mn-lt"/>
+              </a:rPr>
+              <a:t>Table</a:t>
+            </a:r>
+            <a:r>
+              <a:rPr lang="en-CA" dirty="0">
+                <a:latin typeface="+mn-lt"/>
+              </a:rPr>
+              <a:t>().</a:t>
+            </a:r>
+            <a:r>
+              <a:rPr lang="en-CA" dirty="0" err="1" smtClean="0">
+                <a:latin typeface="+mn-lt"/>
+              </a:rPr>
+              <a:t>with_columns</a:t>
+            </a:r>
+            <a:r>
+              <a:rPr lang="en-CA" dirty="0" smtClean="0">
+                <a:latin typeface="+mn-lt"/>
+              </a:rPr>
+              <a:t>() or </a:t>
+            </a:r>
+            <a:r>
+              <a:rPr lang="en-CA" dirty="0" err="1" smtClean="0">
+                <a:latin typeface="+mn-lt"/>
+              </a:rPr>
+              <a:t>Table.read_table</a:t>
+            </a:r>
+            <a:r>
+              <a:rPr lang="en-CA" dirty="0" smtClean="0">
+                <a:latin typeface="+mn-lt"/>
+              </a:rPr>
+              <a:t>()</a:t>
+            </a:r>
           </a:p>
         </p:txBody>
       </p:sp>
+      <p:pic>
+        <p:nvPicPr>
+          <p:cNvPr id="1026" name="Picture 2"/>
+          <p:cNvPicPr>
+            <a:picLocks noChangeAspect="1" noChangeArrowheads="1"/>
+          </p:cNvPicPr>
+          <p:nvPr/>
+        </p:nvPicPr>
+        <p:blipFill>
+          <a:blip r:embed="rId2">
+            <a:extLst>
+              <a:ext uri="{28A0092B-C50C-407E-A947-70E740481C1C}">
+                <a14:useLocalDpi xmlns:a14="http://schemas.microsoft.com/office/drawing/2010/main" val="0"/>
+              </a:ext>
+            </a:extLst>
+          </a:blip>
+          <a:srcRect/>
+          <a:stretch>
+            <a:fillRect/>
+          </a:stretch>
+        </p:blipFill>
+        <p:spPr bwMode="auto">
+          <a:xfrm>
+            <a:off x="841375" y="3016250"/>
+            <a:ext cx="7461250" cy="2347913"/>
+          </a:xfrm>
+          <a:prstGeom prst="rect">
+            <a:avLst/>
+          </a:prstGeom>
+          <a:noFill/>
+          <a:ln>
+            <a:noFill/>
+          </a:ln>
+          <a:effectLst/>
+          <a:extLst>
+            <a:ext uri="{909E8E84-426E-40DD-AFC4-6F175D3DCCD1}">
+              <a14:hiddenFill xmlns:a14="http://schemas.microsoft.com/office/drawing/2010/main">
+                <a:solidFill>
+                  <a:schemeClr val="accent1"/>
+                </a:solidFill>
+              </a14:hiddenFill>
+            </a:ext>
+            <a:ext uri="{91240B29-F687-4F45-9708-019B960494DF}">
+              <a14:hiddenLine xmlns:a14="http://schemas.microsoft.com/office/drawing/2010/main" w="9525">
+                <a:solidFill>
+                  <a:schemeClr val="tx1"/>
+                </a:solidFill>
+                <a:miter lim="800000"/>
+                <a:headEnd/>
+                <a:tailEnd/>
+              </a14:hiddenLine>
+            </a:ext>
+            <a:ext uri="{AF507438-7753-43E0-B8FC-AC1667EBCBE1}">
+              <a14:hiddenEffects xmlns:a14="http://schemas.microsoft.com/office/drawing/2010/main">
+                <a:effectLst>
+                  <a:outerShdw dist="35921" dir="2700000" algn="ctr" rotWithShape="0">
+                    <a:schemeClr val="bg2"/>
+                  </a:outerShdw>
+                </a:effectLst>
+              </a14:hiddenEffects>
+            </a:ext>
+          </a:extLst>
+        </p:spPr>
+      </p:pic>
     </p:spTree>
     <p:extLst>
       <p:ext uri="{BB962C8B-B14F-4D97-AF65-F5344CB8AC3E}">
-        <p14:creationId xmlns:p14="http://schemas.microsoft.com/office/powerpoint/2010/main" val="4263448785"/>
+        <p14:creationId xmlns:p14="http://schemas.microsoft.com/office/powerpoint/2010/main" val="1544269701"/>
       </p:ext>
     </p:extLst>
   </p:cSld>

--- a/data8/slides/lab3.pptx
+++ b/data8/slides/lab3.pptx
@@ -211,7 +211,7 @@
           <a:p>
             <a:fld id="{97CB1905-1EEB-6545-B5E2-B70E8868255E}" type="datetimeFigureOut">
               <a:rPr lang="en-US" smtClean="0"/>
-              <a:t>9/2/2019</a:t>
+              <a:t>9/13/2019</a:t>
             </a:fld>
             <a:endParaRPr lang="en-US"/>
           </a:p>
@@ -377,7 +377,7 @@
           <a:p>
             <a:fld id="{5F53F6BF-7462-9046-A2B6-90C29244BD27}" type="datetimeFigureOut">
               <a:rPr lang="en-US" smtClean="0"/>
-              <a:t>9/2/2019</a:t>
+              <a:t>9/13/2019</a:t>
             </a:fld>
             <a:endParaRPr lang="en-US"/>
           </a:p>
@@ -8575,6 +8575,59 @@
           <a:bodyPr/>
           <a:lstStyle/>
           <a:p>
+            <a:r>
+              <a:rPr lang="en-CA" dirty="0" smtClean="0">
+                <a:latin typeface="+mn-lt"/>
+              </a:rPr>
+              <a:t>Midterm is Friday 10/18</a:t>
+            </a:r>
+          </a:p>
+          <a:p>
+            <a:r>
+              <a:rPr lang="en-CA" dirty="0" smtClean="0">
+                <a:latin typeface="+mn-lt"/>
+              </a:rPr>
+              <a:t>Final is Monday 12/16</a:t>
+            </a:r>
+          </a:p>
+          <a:p>
+            <a:r>
+              <a:rPr lang="en-CA" dirty="0" smtClean="0">
+                <a:latin typeface="+mn-lt"/>
+              </a:rPr>
+              <a:t>No alternate exams</a:t>
+            </a:r>
+          </a:p>
+          <a:p>
+            <a:r>
+              <a:rPr lang="en-CA" dirty="0" smtClean="0">
+                <a:latin typeface="+mn-lt"/>
+              </a:rPr>
+              <a:t>Grades released weekly on Fridays</a:t>
+            </a:r>
+          </a:p>
+          <a:p>
+            <a:r>
+              <a:rPr lang="en-CA" dirty="0" smtClean="0">
+                <a:latin typeface="+mn-lt"/>
+              </a:rPr>
+              <a:t>For free response questions, submit regrade request on Gradescope </a:t>
+            </a:r>
+          </a:p>
+          <a:p>
+            <a:pPr lvl="1"/>
+            <a:r>
+              <a:rPr lang="en-CA" dirty="0" smtClean="0">
+                <a:latin typeface="+mn-lt"/>
+              </a:rPr>
+              <a:t>1 week to submit </a:t>
+            </a:r>
+            <a:r>
+              <a:rPr lang="en-CA" smtClean="0">
+                <a:latin typeface="+mn-lt"/>
+              </a:rPr>
+              <a:t>regrade requests</a:t>
+            </a:r>
             <a:endParaRPr lang="en-CA" dirty="0">
               <a:latin typeface="+mn-lt"/>
             </a:endParaRPr>
